--- a/Documentation/4 - Suivi projet/Point_Equipe_2015-07-02.pptx
+++ b/Documentation/4 - Suivi projet/Point_Equipe_2015-07-02.pptx
@@ -5,16 +5,18 @@
     <p:sldMasterId id="2147483660" r:id="rId1"/>
   </p:sldMasterIdLst>
   <p:notesMasterIdLst>
-    <p:notesMasterId r:id="rId9"/>
+    <p:notesMasterId r:id="rId11"/>
   </p:notesMasterIdLst>
   <p:sldIdLst>
     <p:sldId id="301" r:id="rId2"/>
     <p:sldId id="333" r:id="rId3"/>
     <p:sldId id="357" r:id="rId4"/>
     <p:sldId id="364" r:id="rId5"/>
-    <p:sldId id="370" r:id="rId6"/>
-    <p:sldId id="372" r:id="rId7"/>
-    <p:sldId id="361" r:id="rId8"/>
+    <p:sldId id="374" r:id="rId6"/>
+    <p:sldId id="370" r:id="rId7"/>
+    <p:sldId id="373" r:id="rId8"/>
+    <p:sldId id="372" r:id="rId9"/>
+    <p:sldId id="361" r:id="rId10"/>
   </p:sldIdLst>
   <p:sldSz cx="9144000" cy="6858000" type="screen4x3"/>
   <p:notesSz cx="6797675" cy="9926638"/>
@@ -883,6 +885,7 @@
           <a:p>
             <a:fld id="{0C080E5F-76A7-426C-8874-1B043B738D2C}" type="slidenum">
               <a:rPr lang="fr-FR" smtClean="0"/>
+              <a:pPr/>
               <a:t>5</a:t>
             </a:fld>
             <a:endParaRPr lang="fr-FR"/>
@@ -892,7 +895,7 @@
     </p:spTree>
     <p:extLst>
       <p:ext uri="{BB962C8B-B14F-4D97-AF65-F5344CB8AC3E}">
-        <p14:creationId xmlns:p14="http://schemas.microsoft.com/office/powerpoint/2010/main" val="447969412"/>
+        <p14:creationId xmlns:p14="http://schemas.microsoft.com/office/powerpoint/2010/main" val="2491554536"/>
       </p:ext>
     </p:extLst>
   </p:cSld>
@@ -1052,6 +1055,174 @@
             <a:fld id="{0C080E5F-76A7-426C-8874-1B043B738D2C}" type="slidenum">
               <a:rPr lang="fr-FR" smtClean="0"/>
               <a:t>7</a:t>
+            </a:fld>
+            <a:endParaRPr lang="fr-FR"/>
+          </a:p>
+        </p:txBody>
+      </p:sp>
+    </p:spTree>
+    <p:extLst>
+      <p:ext uri="{BB962C8B-B14F-4D97-AF65-F5344CB8AC3E}">
+        <p14:creationId xmlns:p14="http://schemas.microsoft.com/office/powerpoint/2010/main" val="3974824829"/>
+      </p:ext>
+    </p:extLst>
+  </p:cSld>
+  <p:clrMapOvr>
+    <a:masterClrMapping/>
+  </p:clrMapOvr>
+</p:notes>
+</file>
+
+<file path=ppt/notesSlides/notesSlide8.xml><?xml version="1.0" encoding="utf-8"?>
+<p:notes xmlns:a="http://schemas.openxmlformats.org/drawingml/2006/main" xmlns:r="http://schemas.openxmlformats.org/officeDocument/2006/relationships" xmlns:p="http://schemas.openxmlformats.org/presentationml/2006/main">
+  <p:cSld>
+    <p:spTree>
+      <p:nvGrpSpPr>
+        <p:cNvPr id="1" name=""/>
+        <p:cNvGrpSpPr/>
+        <p:nvPr/>
+      </p:nvGrpSpPr>
+      <p:grpSpPr>
+        <a:xfrm>
+          <a:off x="0" y="0"/>
+          <a:ext cx="0" cy="0"/>
+          <a:chOff x="0" y="0"/>
+          <a:chExt cx="0" cy="0"/>
+        </a:xfrm>
+      </p:grpSpPr>
+      <p:sp>
+        <p:nvSpPr>
+          <p:cNvPr id="2" name="Espace réservé de l'image des diapositives 1"/>
+          <p:cNvSpPr>
+            <a:spLocks noGrp="1" noRot="1" noChangeAspect="1"/>
+          </p:cNvSpPr>
+          <p:nvPr>
+            <p:ph type="sldImg"/>
+          </p:nvPr>
+        </p:nvSpPr>
+        <p:spPr/>
+      </p:sp>
+      <p:sp>
+        <p:nvSpPr>
+          <p:cNvPr id="3" name="Espace réservé des commentaires 2"/>
+          <p:cNvSpPr>
+            <a:spLocks noGrp="1"/>
+          </p:cNvSpPr>
+          <p:nvPr>
+            <p:ph type="body" idx="1"/>
+          </p:nvPr>
+        </p:nvSpPr>
+        <p:spPr/>
+        <p:txBody>
+          <a:bodyPr/>
+          <a:lstStyle/>
+          <a:p>
+            <a:endParaRPr lang="fr-FR"/>
+          </a:p>
+        </p:txBody>
+      </p:sp>
+      <p:sp>
+        <p:nvSpPr>
+          <p:cNvPr id="4" name="Espace réservé du numéro de diapositive 3"/>
+          <p:cNvSpPr>
+            <a:spLocks noGrp="1"/>
+          </p:cNvSpPr>
+          <p:nvPr>
+            <p:ph type="sldNum" sz="quarter" idx="10"/>
+          </p:nvPr>
+        </p:nvSpPr>
+        <p:spPr/>
+        <p:txBody>
+          <a:bodyPr/>
+          <a:lstStyle/>
+          <a:p>
+            <a:fld id="{0C080E5F-76A7-426C-8874-1B043B738D2C}" type="slidenum">
+              <a:rPr lang="fr-FR" smtClean="0"/>
+              <a:t>8</a:t>
+            </a:fld>
+            <a:endParaRPr lang="fr-FR"/>
+          </a:p>
+        </p:txBody>
+      </p:sp>
+    </p:spTree>
+    <p:extLst>
+      <p:ext uri="{BB962C8B-B14F-4D97-AF65-F5344CB8AC3E}">
+        <p14:creationId xmlns:p14="http://schemas.microsoft.com/office/powerpoint/2010/main" val="447969412"/>
+      </p:ext>
+    </p:extLst>
+  </p:cSld>
+  <p:clrMapOvr>
+    <a:masterClrMapping/>
+  </p:clrMapOvr>
+</p:notes>
+</file>
+
+<file path=ppt/notesSlides/notesSlide9.xml><?xml version="1.0" encoding="utf-8"?>
+<p:notes xmlns:a="http://schemas.openxmlformats.org/drawingml/2006/main" xmlns:r="http://schemas.openxmlformats.org/officeDocument/2006/relationships" xmlns:p="http://schemas.openxmlformats.org/presentationml/2006/main">
+  <p:cSld>
+    <p:spTree>
+      <p:nvGrpSpPr>
+        <p:cNvPr id="1" name=""/>
+        <p:cNvGrpSpPr/>
+        <p:nvPr/>
+      </p:nvGrpSpPr>
+      <p:grpSpPr>
+        <a:xfrm>
+          <a:off x="0" y="0"/>
+          <a:ext cx="0" cy="0"/>
+          <a:chOff x="0" y="0"/>
+          <a:chExt cx="0" cy="0"/>
+        </a:xfrm>
+      </p:grpSpPr>
+      <p:sp>
+        <p:nvSpPr>
+          <p:cNvPr id="2" name="Espace réservé de l'image des diapositives 1"/>
+          <p:cNvSpPr>
+            <a:spLocks noGrp="1" noRot="1" noChangeAspect="1"/>
+          </p:cNvSpPr>
+          <p:nvPr>
+            <p:ph type="sldImg"/>
+          </p:nvPr>
+        </p:nvSpPr>
+        <p:spPr/>
+      </p:sp>
+      <p:sp>
+        <p:nvSpPr>
+          <p:cNvPr id="3" name="Espace réservé des commentaires 2"/>
+          <p:cNvSpPr>
+            <a:spLocks noGrp="1"/>
+          </p:cNvSpPr>
+          <p:nvPr>
+            <p:ph type="body" idx="1"/>
+          </p:nvPr>
+        </p:nvSpPr>
+        <p:spPr/>
+        <p:txBody>
+          <a:bodyPr/>
+          <a:lstStyle/>
+          <a:p>
+            <a:endParaRPr lang="fr-FR"/>
+          </a:p>
+        </p:txBody>
+      </p:sp>
+      <p:sp>
+        <p:nvSpPr>
+          <p:cNvPr id="4" name="Espace réservé du numéro de diapositive 3"/>
+          <p:cNvSpPr>
+            <a:spLocks noGrp="1"/>
+          </p:cNvSpPr>
+          <p:nvPr>
+            <p:ph type="sldNum" sz="quarter" idx="10"/>
+          </p:nvPr>
+        </p:nvSpPr>
+        <p:spPr/>
+        <p:txBody>
+          <a:bodyPr/>
+          <a:lstStyle/>
+          <a:p>
+            <a:fld id="{0C080E5F-76A7-426C-8874-1B043B738D2C}" type="slidenum">
+              <a:rPr lang="fr-FR" smtClean="0"/>
+              <a:t>9</a:t>
             </a:fld>
             <a:endParaRPr lang="fr-FR"/>
           </a:p>
@@ -4511,11 +4682,7 @@
             <a:pPr algn="ctr"/>
             <a:r>
               <a:rPr lang="fr-FR" sz="4000" dirty="0" smtClean="0"/>
-              <a:t>02</a:t>
-            </a:r>
-            <a:r>
-              <a:rPr lang="fr-FR" sz="4000" dirty="0" smtClean="0"/>
-              <a:t>/07/2015</a:t>
+              <a:t>02/07/2015</a:t>
             </a:r>
             <a:endParaRPr lang="fr-FR" sz="4000" dirty="0"/>
           </a:p>
@@ -4610,7 +4777,7 @@
         <p:spPr>
           <a:xfrm>
             <a:off x="539552" y="1224042"/>
-            <a:ext cx="6264696" cy="1785104"/>
+            <a:ext cx="6264696" cy="2139047"/>
           </a:xfrm>
           <a:prstGeom prst="rect">
             <a:avLst/>
@@ -4665,7 +4832,11 @@
             </a:pPr>
             <a:r>
               <a:rPr lang="fr-FR" dirty="0" smtClean="0"/>
-              <a:t>Planning du lot 1</a:t>
+              <a:t>Planning du lot </a:t>
+            </a:r>
+            <a:r>
+              <a:rPr lang="fr-FR" dirty="0" smtClean="0"/>
+              <a:t>1</a:t>
             </a:r>
           </a:p>
           <a:p>
@@ -4681,16 +4852,9 @@
             </a:pPr>
             <a:r>
               <a:rPr lang="fr-FR" dirty="0" smtClean="0"/>
-              <a:t>Scripts </a:t>
-            </a:r>
-            <a:r>
-              <a:rPr lang="fr-FR" dirty="0" smtClean="0"/>
-              <a:t>SQL du </a:t>
-            </a:r>
-            <a:r>
-              <a:rPr lang="fr-FR" dirty="0" smtClean="0"/>
-              <a:t>DWH</a:t>
-            </a:r>
+              <a:t>Proposition de Bernard sur le DWH</a:t>
+            </a:r>
+            <a:endParaRPr lang="fr-FR" dirty="0" smtClean="0"/>
           </a:p>
           <a:p>
             <a:pPr marL="342900" indent="-342900">
@@ -4705,9 +4869,24 @@
             </a:pPr>
             <a:r>
               <a:rPr lang="fr-FR" dirty="0" smtClean="0"/>
+              <a:t>Scripts SQL du DWH</a:t>
+            </a:r>
+          </a:p>
+          <a:p>
+            <a:pPr marL="342900" indent="-342900">
+              <a:spcBef>
+                <a:spcPts val="300"/>
+              </a:spcBef>
+              <a:spcAft>
+                <a:spcPts val="300"/>
+              </a:spcAft>
+              <a:buFont typeface="+mj-lt"/>
+              <a:buAutoNum type="arabicPeriod"/>
+            </a:pPr>
+            <a:r>
+              <a:rPr lang="fr-FR" dirty="0" smtClean="0"/>
               <a:t>Peuplement du DWH</a:t>
             </a:r>
-            <a:endParaRPr lang="fr-FR" dirty="0" smtClean="0"/>
           </a:p>
         </p:txBody>
       </p:sp>
@@ -6379,44 +6558,16 @@
           <a:chExt cx="0" cy="0"/>
         </a:xfrm>
       </p:grpSpPr>
-      <p:pic>
-        <p:nvPicPr>
-          <p:cNvPr id="9" name="Picture 61"/>
-          <p:cNvPicPr/>
-          <p:nvPr/>
-        </p:nvPicPr>
-        <p:blipFill>
-          <a:blip r:embed="rId3" cstate="print">
-            <a:extLst>
-              <a:ext uri="{28A0092B-C50C-407E-A947-70E740481C1C}">
-                <a14:useLocalDpi xmlns:a14="http://schemas.microsoft.com/office/drawing/2010/main" val="0"/>
-              </a:ext>
-            </a:extLst>
-          </a:blip>
-          <a:stretch>
-            <a:fillRect/>
-          </a:stretch>
-        </p:blipFill>
-        <p:spPr>
-          <a:xfrm>
-            <a:off x="6876257" y="232514"/>
-            <a:ext cx="1978376" cy="892230"/>
-          </a:xfrm>
-          <a:prstGeom prst="rect">
-            <a:avLst/>
-          </a:prstGeom>
-        </p:spPr>
-      </p:pic>
-      <p:sp>
-        <p:nvSpPr>
-          <p:cNvPr id="10" name="ZoneTexte 9"/>
+      <p:sp>
+        <p:nvSpPr>
+          <p:cNvPr id="3" name="ZoneTexte 2"/>
           <p:cNvSpPr txBox="1"/>
           <p:nvPr/>
         </p:nvSpPr>
         <p:spPr>
           <a:xfrm>
             <a:off x="107504" y="107340"/>
-            <a:ext cx="2386231" cy="369332"/>
+            <a:ext cx="8269572" cy="369332"/>
           </a:xfrm>
           <a:prstGeom prst="rect">
             <a:avLst/>
@@ -6444,7 +6595,11 @@
           <a:p>
             <a:r>
               <a:rPr lang="fr-FR" dirty="0" smtClean="0"/>
-              <a:t>Construction de la base</a:t>
+              <a:t>Proposition de Bernard </a:t>
+            </a:r>
+            <a:r>
+              <a:rPr lang="fr-FR" dirty="0" smtClean="0"/>
+              <a:t>de la Table de faits « Ventes » en Annulation de celle de Stocks</a:t>
             </a:r>
             <a:endParaRPr lang="fr-FR" dirty="0"/>
           </a:p>
@@ -6452,69 +6607,394 @@
       </p:sp>
       <p:sp>
         <p:nvSpPr>
-          <p:cNvPr id="12" name="Rectangle 11"/>
+          <p:cNvPr id="10" name="ZoneTexte 9"/>
+          <p:cNvSpPr txBox="1"/>
+          <p:nvPr/>
+        </p:nvSpPr>
+        <p:spPr>
+          <a:xfrm>
+            <a:off x="2843808" y="2132682"/>
+            <a:ext cx="2664296" cy="954107"/>
+          </a:xfrm>
+          <a:prstGeom prst="rect">
+            <a:avLst/>
+          </a:prstGeom>
+          <a:solidFill>
+            <a:schemeClr val="tx2">
+              <a:lumMod val="20000"/>
+              <a:lumOff val="80000"/>
+            </a:schemeClr>
+          </a:solidFill>
+        </p:spPr>
+        <p:txBody>
+          <a:bodyPr wrap="square" rtlCol="0">
+            <a:spAutoFit/>
+          </a:bodyPr>
+          <a:lstStyle/>
+          <a:p>
+            <a:r>
+              <a:rPr lang="fr-FR" sz="1400" dirty="0" smtClean="0">
+                <a:solidFill>
+                  <a:schemeClr val="accent2"/>
+                </a:solidFill>
+              </a:rPr>
+              <a:t>DATE_VENTE_FK</a:t>
+            </a:r>
+            <a:r>
+              <a:rPr lang="fr-FR" sz="1400" dirty="0" smtClean="0"/>
+              <a:t>	</a:t>
+            </a:r>
+            <a:r>
+              <a:rPr lang="fr-FR" sz="1400" dirty="0" err="1" smtClean="0"/>
+              <a:t>int</a:t>
+            </a:r>
+            <a:endParaRPr lang="fr-FR" sz="1400" dirty="0" smtClean="0"/>
+          </a:p>
+          <a:p>
+            <a:r>
+              <a:rPr lang="fr-FR" sz="1400" dirty="0" smtClean="0">
+                <a:solidFill>
+                  <a:schemeClr val="accent2"/>
+                </a:solidFill>
+              </a:rPr>
+              <a:t>PRODUIT_FK</a:t>
+            </a:r>
+            <a:r>
+              <a:rPr lang="fr-FR" sz="1400" dirty="0" smtClean="0"/>
+              <a:t>	</a:t>
+            </a:r>
+            <a:r>
+              <a:rPr lang="fr-FR" sz="1400" dirty="0" err="1" smtClean="0"/>
+              <a:t>int</a:t>
+            </a:r>
+            <a:endParaRPr lang="fr-FR" sz="1400" dirty="0" smtClean="0"/>
+          </a:p>
+          <a:p>
+            <a:r>
+              <a:rPr lang="fr-FR" sz="1400" dirty="0" smtClean="0">
+                <a:solidFill>
+                  <a:schemeClr val="accent2"/>
+                </a:solidFill>
+              </a:rPr>
+              <a:t>CLIENT_FK</a:t>
+            </a:r>
+            <a:r>
+              <a:rPr lang="fr-FR" sz="1400" dirty="0" smtClean="0"/>
+              <a:t>		</a:t>
+            </a:r>
+            <a:r>
+              <a:rPr lang="fr-FR" sz="1400" dirty="0" err="1" smtClean="0"/>
+              <a:t>int</a:t>
+            </a:r>
+            <a:endParaRPr lang="fr-FR" sz="1400" dirty="0" smtClean="0"/>
+          </a:p>
+          <a:p>
+            <a:r>
+              <a:rPr lang="fr-FR" sz="1400" dirty="0" smtClean="0">
+                <a:solidFill>
+                  <a:schemeClr val="accent2"/>
+                </a:solidFill>
+              </a:rPr>
+              <a:t>STOCK_FK</a:t>
+            </a:r>
+            <a:r>
+              <a:rPr lang="fr-FR" sz="1400" dirty="0" smtClean="0"/>
+              <a:t>		</a:t>
+            </a:r>
+            <a:r>
+              <a:rPr lang="fr-FR" sz="1400" dirty="0" err="1" smtClean="0"/>
+              <a:t>int</a:t>
+            </a:r>
+            <a:endParaRPr lang="fr-FR" sz="1400" dirty="0" smtClean="0"/>
+          </a:p>
+        </p:txBody>
+      </p:sp>
+      <p:sp>
+        <p:nvSpPr>
+          <p:cNvPr id="13" name="Rogner un rectangle avec un coin du même côté 12"/>
           <p:cNvSpPr/>
           <p:nvPr/>
         </p:nvSpPr>
         <p:spPr>
           <a:xfrm>
-            <a:off x="755576" y="678629"/>
-            <a:ext cx="3222549" cy="369332"/>
+            <a:off x="2843808" y="1705422"/>
+            <a:ext cx="2664296" cy="360040"/>
+          </a:xfrm>
+          <a:prstGeom prst="snip2SameRect">
+            <a:avLst>
+              <a:gd name="adj1" fmla="val 0"/>
+              <a:gd name="adj2" fmla="val 0"/>
+            </a:avLst>
+          </a:prstGeom>
+          <a:ln>
+            <a:noFill/>
+          </a:ln>
+        </p:spPr>
+        <p:style>
+          <a:lnRef idx="2">
+            <a:schemeClr val="accent1">
+              <a:shade val="50000"/>
+            </a:schemeClr>
+          </a:lnRef>
+          <a:fillRef idx="1">
+            <a:schemeClr val="accent1"/>
+          </a:fillRef>
+          <a:effectRef idx="0">
+            <a:schemeClr val="accent1"/>
+          </a:effectRef>
+          <a:fontRef idx="minor">
+            <a:schemeClr val="lt1"/>
+          </a:fontRef>
+        </p:style>
+        <p:txBody>
+          <a:bodyPr rtlCol="0" anchor="ctr"/>
+          <a:lstStyle/>
+          <a:p>
+            <a:pPr algn="ctr"/>
+            <a:r>
+              <a:rPr lang="fr-FR" sz="1400" b="1" dirty="0" smtClean="0"/>
+              <a:t>FAITS « VENTE »</a:t>
+            </a:r>
+            <a:endParaRPr lang="fr-FR" sz="1400" b="1" dirty="0"/>
+          </a:p>
+        </p:txBody>
+      </p:sp>
+      <p:sp>
+        <p:nvSpPr>
+          <p:cNvPr id="14" name="ZoneTexte 13"/>
+          <p:cNvSpPr txBox="1"/>
+          <p:nvPr/>
+        </p:nvSpPr>
+        <p:spPr>
+          <a:xfrm>
+            <a:off x="2843808" y="3143248"/>
+            <a:ext cx="2664296" cy="954107"/>
+          </a:xfrm>
+          <a:prstGeom prst="rect">
+            <a:avLst/>
+          </a:prstGeom>
+          <a:solidFill>
+            <a:schemeClr val="tx2">
+              <a:lumMod val="20000"/>
+              <a:lumOff val="80000"/>
+            </a:schemeClr>
+          </a:solidFill>
+        </p:spPr>
+        <p:txBody>
+          <a:bodyPr wrap="square" rtlCol="0">
+            <a:spAutoFit/>
+          </a:bodyPr>
+          <a:lstStyle/>
+          <a:p>
+            <a:r>
+              <a:rPr lang="fr-FR" sz="1400" dirty="0" smtClean="0"/>
+              <a:t>MONTANT_HT_VENTE	 </a:t>
+            </a:r>
+            <a:r>
+              <a:rPr lang="fr-FR" sz="1400" dirty="0" err="1" smtClean="0"/>
+              <a:t>numeric</a:t>
+            </a:r>
+            <a:endParaRPr lang="fr-FR" sz="1400" dirty="0"/>
+          </a:p>
+          <a:p>
+            <a:r>
+              <a:rPr lang="fr-FR" sz="1400" dirty="0"/>
+              <a:t>MONTANT_TVA_VENTE	 </a:t>
+            </a:r>
+            <a:r>
+              <a:rPr lang="fr-FR" sz="1400" dirty="0" err="1"/>
+              <a:t>numeric</a:t>
+            </a:r>
+            <a:endParaRPr lang="fr-FR" sz="1400" dirty="0" smtClean="0"/>
+          </a:p>
+          <a:p>
+            <a:r>
+              <a:rPr lang="fr-FR" sz="1400" dirty="0" smtClean="0"/>
+              <a:t>MARGE_BRUTE	</a:t>
+            </a:r>
+            <a:r>
+              <a:rPr lang="fr-FR" sz="1400" dirty="0"/>
+              <a:t> </a:t>
+            </a:r>
+            <a:r>
+              <a:rPr lang="fr-FR" sz="1400" dirty="0" err="1" smtClean="0"/>
+              <a:t>numeric</a:t>
+            </a:r>
+            <a:endParaRPr lang="fr-FR" sz="1400" dirty="0" smtClean="0"/>
+          </a:p>
+          <a:p>
+            <a:r>
+              <a:rPr lang="fr-FR" sz="1400" dirty="0" smtClean="0"/>
+              <a:t>UNITES_VENDUES             </a:t>
+            </a:r>
+            <a:r>
+              <a:rPr lang="fr-FR" sz="1400" dirty="0" err="1" smtClean="0"/>
+              <a:t>int</a:t>
+            </a:r>
+            <a:endParaRPr lang="fr-FR" sz="1400" dirty="0" smtClean="0"/>
+          </a:p>
+        </p:txBody>
+      </p:sp>
+      <p:sp>
+        <p:nvSpPr>
+          <p:cNvPr id="15" name="Rectangle 14"/>
+          <p:cNvSpPr/>
+          <p:nvPr/>
+        </p:nvSpPr>
+        <p:spPr>
+          <a:xfrm>
+            <a:off x="5868144" y="2393325"/>
+            <a:ext cx="3096344" cy="369332"/>
           </a:xfrm>
           <a:prstGeom prst="rect">
             <a:avLst/>
           </a:prstGeom>
         </p:spPr>
         <p:txBody>
-          <a:bodyPr wrap="none">
+          <a:bodyPr wrap="square">
             <a:spAutoFit/>
           </a:bodyPr>
           <a:lstStyle/>
           <a:p>
             <a:pPr>
               <a:spcBef>
-                <a:spcPts val="600"/>
+                <a:spcPts val="300"/>
               </a:spcBef>
               <a:spcAft>
-                <a:spcPts val="600"/>
+                <a:spcPts val="300"/>
               </a:spcAft>
             </a:pPr>
             <a:r>
               <a:rPr lang="fr-FR" b="1" dirty="0" smtClean="0"/>
-              <a:t>Scripts SQL de création du DWH</a:t>
-            </a:r>
-          </a:p>
-        </p:txBody>
-      </p:sp>
-      <p:sp>
-        <p:nvSpPr>
-          <p:cNvPr id="14" name="ZoneTexte 13"/>
-          <p:cNvSpPr txBox="1"/>
+              <a:t>Bloc 1</a:t>
+            </a:r>
+            <a:r>
+              <a:rPr lang="fr-FR" dirty="0" smtClean="0"/>
+              <a:t> : FK vers les dimensions</a:t>
+            </a:r>
+          </a:p>
+        </p:txBody>
+      </p:sp>
+      <p:sp>
+        <p:nvSpPr>
+          <p:cNvPr id="16" name="Rectangle 15"/>
+          <p:cNvSpPr/>
           <p:nvPr/>
         </p:nvSpPr>
         <p:spPr>
           <a:xfrm>
-            <a:off x="348969" y="6021288"/>
-            <a:ext cx="8208912" cy="307777"/>
+            <a:off x="5868144" y="2786058"/>
+            <a:ext cx="3096344" cy="369332"/>
           </a:xfrm>
           <a:prstGeom prst="rect">
             <a:avLst/>
           </a:prstGeom>
         </p:spPr>
-        <p:style>
-          <a:lnRef idx="1">
-            <a:schemeClr val="accent5"/>
-          </a:lnRef>
-          <a:fillRef idx="2">
-            <a:schemeClr val="accent5"/>
-          </a:fillRef>
-          <a:effectRef idx="1">
-            <a:schemeClr val="accent5"/>
-          </a:effectRef>
-          <a:fontRef idx="minor">
-            <a:schemeClr val="dk1"/>
-          </a:fontRef>
-        </p:style>
+        <p:txBody>
+          <a:bodyPr wrap="square">
+            <a:spAutoFit/>
+          </a:bodyPr>
+          <a:lstStyle/>
+          <a:p>
+            <a:pPr>
+              <a:spcBef>
+                <a:spcPts val="300"/>
+              </a:spcBef>
+              <a:spcAft>
+                <a:spcPts val="300"/>
+              </a:spcAft>
+            </a:pPr>
+            <a:r>
+              <a:rPr lang="fr-FR" b="1" dirty="0" smtClean="0"/>
+              <a:t>Bloc 2</a:t>
+            </a:r>
+            <a:r>
+              <a:rPr lang="fr-FR" dirty="0" smtClean="0"/>
+              <a:t> : Mesures</a:t>
+            </a:r>
+          </a:p>
+        </p:txBody>
+      </p:sp>
+      <p:sp>
+        <p:nvSpPr>
+          <p:cNvPr id="17" name="Rectangle 16"/>
+          <p:cNvSpPr/>
+          <p:nvPr/>
+        </p:nvSpPr>
+        <p:spPr>
+          <a:xfrm>
+            <a:off x="5868144" y="3287075"/>
+            <a:ext cx="3203848" cy="1277273"/>
+          </a:xfrm>
+          <a:prstGeom prst="rect">
+            <a:avLst/>
+          </a:prstGeom>
+        </p:spPr>
+        <p:txBody>
+          <a:bodyPr wrap="square">
+            <a:spAutoFit/>
+          </a:bodyPr>
+          <a:lstStyle/>
+          <a:p>
+            <a:pPr>
+              <a:spcBef>
+                <a:spcPts val="300"/>
+              </a:spcBef>
+              <a:spcAft>
+                <a:spcPts val="300"/>
+              </a:spcAft>
+            </a:pPr>
+            <a:r>
+              <a:rPr lang="fr-FR" b="1" dirty="0" smtClean="0"/>
+              <a:t>Bloc 3</a:t>
+            </a:r>
+            <a:r>
+              <a:rPr lang="fr-FR" dirty="0" smtClean="0"/>
+              <a:t> : Dimensions dégénérées</a:t>
+            </a:r>
+          </a:p>
+          <a:p>
+            <a:pPr>
+              <a:spcBef>
+                <a:spcPts val="300"/>
+              </a:spcBef>
+              <a:spcAft>
+                <a:spcPts val="300"/>
+              </a:spcAft>
+            </a:pPr>
+            <a:r>
+              <a:rPr lang="fr-FR" dirty="0"/>
+              <a:t>Champs permettant de faire le lien entre le système décisionnel et le système </a:t>
+            </a:r>
+            <a:r>
+              <a:rPr lang="fr-FR" dirty="0" smtClean="0"/>
+              <a:t>source</a:t>
+            </a:r>
+            <a:endParaRPr lang="fr-FR" dirty="0"/>
+          </a:p>
+        </p:txBody>
+      </p:sp>
+      <p:sp>
+        <p:nvSpPr>
+          <p:cNvPr id="18" name="ZoneTexte 17"/>
+          <p:cNvSpPr txBox="1"/>
+          <p:nvPr/>
+        </p:nvSpPr>
+        <p:spPr>
+          <a:xfrm>
+            <a:off x="2843808" y="4165609"/>
+            <a:ext cx="2664296" cy="307777"/>
+          </a:xfrm>
+          <a:prstGeom prst="rect">
+            <a:avLst/>
+          </a:prstGeom>
+          <a:solidFill>
+            <a:schemeClr val="tx2">
+              <a:lumMod val="20000"/>
+              <a:lumOff val="80000"/>
+            </a:schemeClr>
+          </a:solidFill>
+        </p:spPr>
         <p:txBody>
           <a:bodyPr wrap="square" rtlCol="0">
             <a:spAutoFit/>
@@ -6523,898 +7003,634 @@
           <a:p>
             <a:r>
               <a:rPr lang="fr-FR" sz="1400" dirty="0" smtClean="0"/>
-              <a:t>Les sources SQL seront à mettre sur Git Hub dans </a:t>
-            </a:r>
+              <a:t>NUM_TICKET 	</a:t>
+            </a:r>
+            <a:r>
+              <a:rPr lang="fr-FR" sz="1400" dirty="0" err="1" smtClean="0"/>
+              <a:t>varchar</a:t>
+            </a:r>
+            <a:endParaRPr lang="fr-FR" sz="1400" dirty="0" smtClean="0"/>
+          </a:p>
+        </p:txBody>
+      </p:sp>
+      <p:sp>
+        <p:nvSpPr>
+          <p:cNvPr id="20" name="Rectangle 19"/>
+          <p:cNvSpPr/>
+          <p:nvPr/>
+        </p:nvSpPr>
+        <p:spPr>
+          <a:xfrm>
+            <a:off x="367584" y="718418"/>
+            <a:ext cx="8452887" cy="923330"/>
+          </a:xfrm>
+          <a:prstGeom prst="rect">
+            <a:avLst/>
+          </a:prstGeom>
+        </p:spPr>
+        <p:txBody>
+          <a:bodyPr wrap="square">
+            <a:spAutoFit/>
+          </a:bodyPr>
+          <a:lstStyle/>
+          <a:p>
+            <a:pPr>
+              <a:spcBef>
+                <a:spcPts val="300"/>
+              </a:spcBef>
+              <a:spcAft>
+                <a:spcPts val="300"/>
+              </a:spcAft>
+            </a:pPr>
+            <a:r>
+              <a:rPr lang="fr-FR" dirty="0" smtClean="0"/>
+              <a:t>La table de faits « Ventes » ressort essentiellement les mesures (Bloc2) des ventes concernant les éléments du Bloc1 pris dans leur ensemble.  Le champs NUM_TICKET devrait à mon avis être maintenu. (Cf. Génération des Items fréquents)</a:t>
+            </a:r>
+          </a:p>
+        </p:txBody>
+      </p:sp>
+      <p:sp>
+        <p:nvSpPr>
+          <p:cNvPr id="19" name="ZoneTexte 18"/>
+          <p:cNvSpPr txBox="1"/>
+          <p:nvPr/>
+        </p:nvSpPr>
+        <p:spPr>
+          <a:xfrm>
+            <a:off x="50316" y="5357826"/>
+            <a:ext cx="2664296" cy="307777"/>
+          </a:xfrm>
+          <a:prstGeom prst="rect">
+            <a:avLst/>
+          </a:prstGeom>
+          <a:solidFill>
+            <a:schemeClr val="tx2">
+              <a:lumMod val="20000"/>
+              <a:lumOff val="80000"/>
+            </a:schemeClr>
+          </a:solidFill>
+        </p:spPr>
+        <p:txBody>
+          <a:bodyPr wrap="square" rtlCol="0">
+            <a:spAutoFit/>
+          </a:bodyPr>
+          <a:lstStyle/>
+          <a:p>
+            <a:r>
+              <a:rPr lang="fr-FR" sz="1400" dirty="0" smtClean="0">
+                <a:solidFill>
+                  <a:schemeClr val="accent2"/>
+                </a:solidFill>
+              </a:rPr>
+              <a:t>ID_LIEU_FK</a:t>
+            </a:r>
+            <a:r>
+              <a:rPr lang="fr-FR" sz="1400" dirty="0" smtClean="0">
+                <a:solidFill>
+                  <a:srgbClr val="FF0000"/>
+                </a:solidFill>
+              </a:rPr>
+              <a:t>	</a:t>
+            </a:r>
+            <a:r>
+              <a:rPr lang="fr-FR" sz="1400" smtClean="0">
+                <a:solidFill>
+                  <a:srgbClr val="FF0000"/>
+                </a:solidFill>
+              </a:rPr>
+              <a:t>	 </a:t>
+            </a:r>
+            <a:r>
+              <a:rPr lang="fr-FR" sz="1400" smtClean="0"/>
+              <a:t>int</a:t>
+            </a:r>
+            <a:endParaRPr lang="fr-FR" sz="1400" dirty="0" smtClean="0"/>
+          </a:p>
+        </p:txBody>
+      </p:sp>
+      <p:sp>
+        <p:nvSpPr>
+          <p:cNvPr id="21" name="Rogner un rectangle avec un coin du même côté 20"/>
+          <p:cNvSpPr/>
+          <p:nvPr/>
+        </p:nvSpPr>
+        <p:spPr>
+          <a:xfrm>
+            <a:off x="50316" y="5000636"/>
+            <a:ext cx="2664296" cy="360040"/>
+          </a:xfrm>
+          <a:prstGeom prst="snip2SameRect">
+            <a:avLst>
+              <a:gd name="adj1" fmla="val 0"/>
+              <a:gd name="adj2" fmla="val 0"/>
+            </a:avLst>
+          </a:prstGeom>
+          <a:ln>
+            <a:noFill/>
+          </a:ln>
+        </p:spPr>
+        <p:style>
+          <a:lnRef idx="2">
+            <a:schemeClr val="accent1">
+              <a:shade val="50000"/>
+            </a:schemeClr>
+          </a:lnRef>
+          <a:fillRef idx="1">
+            <a:schemeClr val="accent1"/>
+          </a:fillRef>
+          <a:effectRef idx="0">
+            <a:schemeClr val="accent1"/>
+          </a:effectRef>
+          <a:fontRef idx="minor">
+            <a:schemeClr val="lt1"/>
+          </a:fontRef>
+        </p:style>
+        <p:txBody>
+          <a:bodyPr rtlCol="0" anchor="ctr"/>
+          <a:lstStyle/>
+          <a:p>
+            <a:pPr algn="ctr"/>
             <a:r>
               <a:rPr lang="fr-FR" sz="1400" b="1" dirty="0" smtClean="0"/>
-              <a:t>/</a:t>
-            </a:r>
-            <a:r>
-              <a:rPr lang="fr-FR" sz="1400" b="1" dirty="0"/>
-              <a:t>SOURCES/BASE_DWH</a:t>
-            </a:r>
-            <a:endParaRPr lang="fr-FR" sz="1400" b="1" dirty="0" smtClean="0"/>
-          </a:p>
-        </p:txBody>
-      </p:sp>
-      <p:graphicFrame>
-        <p:nvGraphicFramePr>
-          <p:cNvPr id="8" name="Tableau 7"/>
-          <p:cNvGraphicFramePr>
-            <a:graphicFrameLocks noGrp="1"/>
-          </p:cNvGraphicFramePr>
-          <p:nvPr>
-            <p:extLst>
-              <p:ext uri="{D42A27DB-BD31-4B8C-83A1-F6EECF244321}">
-                <p14:modId xmlns:p14="http://schemas.microsoft.com/office/powerpoint/2010/main" val="2972869165"/>
-              </p:ext>
-            </p:extLst>
-          </p:nvPr>
-        </p:nvGraphicFramePr>
-        <p:xfrm>
-          <a:off x="899592" y="1340768"/>
-          <a:ext cx="7316143" cy="3337560"/>
-        </p:xfrm>
-        <a:graphic>
-          <a:graphicData uri="http://schemas.openxmlformats.org/drawingml/2006/table">
-            <a:tbl>
-              <a:tblPr firstRow="1" bandRow="1">
-                <a:tableStyleId>{5C22544A-7EE6-4342-B048-85BDC9FD1C3A}</a:tableStyleId>
-              </a:tblPr>
-              <a:tblGrid>
-                <a:gridCol w="1277302"/>
-                <a:gridCol w="989297"/>
-                <a:gridCol w="1107618"/>
-                <a:gridCol w="832172"/>
-                <a:gridCol w="983476"/>
-                <a:gridCol w="1059128"/>
-                <a:gridCol w="1067150"/>
-              </a:tblGrid>
-              <a:tr h="370840">
-                <a:tc>
-                  <a:txBody>
-                    <a:bodyPr/>
-                    <a:lstStyle/>
-                    <a:p>
-                      <a:r>
-                        <a:rPr lang="fr-FR" sz="1600" dirty="0" smtClean="0"/>
-                        <a:t>Table</a:t>
-                      </a:r>
-                      <a:endParaRPr lang="fr-FR" sz="1600" dirty="0"/>
-                    </a:p>
-                  </a:txBody>
-                  <a:tcPr/>
-                </a:tc>
-                <a:tc>
-                  <a:txBody>
-                    <a:bodyPr/>
-                    <a:lstStyle/>
-                    <a:p>
-                      <a:pPr algn="ctr"/>
-                      <a:r>
-                        <a:rPr lang="fr-FR" sz="1600" dirty="0" smtClean="0"/>
-                        <a:t>Type</a:t>
-                      </a:r>
-                      <a:endParaRPr lang="fr-FR" sz="1600" dirty="0"/>
-                    </a:p>
-                  </a:txBody>
-                  <a:tcPr/>
-                </a:tc>
-                <a:tc>
-                  <a:txBody>
-                    <a:bodyPr/>
-                    <a:lstStyle/>
-                    <a:p>
-                      <a:pPr algn="ctr"/>
-                      <a:r>
-                        <a:rPr lang="fr-FR" sz="1600" dirty="0" smtClean="0"/>
-                        <a:t>Thomas ?</a:t>
-                      </a:r>
-                      <a:endParaRPr lang="fr-FR" sz="1600" dirty="0"/>
-                    </a:p>
-                  </a:txBody>
-                  <a:tcPr/>
-                </a:tc>
-                <a:tc>
-                  <a:txBody>
-                    <a:bodyPr/>
-                    <a:lstStyle/>
-                    <a:p>
-                      <a:pPr algn="ctr"/>
-                      <a:r>
-                        <a:rPr lang="fr-FR" sz="1600" dirty="0" smtClean="0"/>
-                        <a:t>Brice</a:t>
-                      </a:r>
-                      <a:r>
-                        <a:rPr lang="fr-FR" sz="1600" baseline="0" dirty="0" smtClean="0"/>
-                        <a:t> ?</a:t>
-                      </a:r>
-                      <a:endParaRPr lang="fr-FR" sz="1600" dirty="0"/>
-                    </a:p>
-                  </a:txBody>
-                  <a:tcPr/>
-                </a:tc>
-                <a:tc>
-                  <a:txBody>
-                    <a:bodyPr/>
-                    <a:lstStyle/>
-                    <a:p>
-                      <a:pPr algn="ctr"/>
-                      <a:r>
-                        <a:rPr lang="fr-FR" sz="1600" dirty="0" smtClean="0"/>
-                        <a:t>Olivier ?</a:t>
-                      </a:r>
-                      <a:endParaRPr lang="fr-FR" sz="1600" dirty="0"/>
-                    </a:p>
-                  </a:txBody>
-                  <a:tcPr/>
-                </a:tc>
-                <a:tc>
-                  <a:txBody>
-                    <a:bodyPr/>
-                    <a:lstStyle/>
-                    <a:p>
-                      <a:pPr algn="ctr"/>
-                      <a:r>
-                        <a:rPr lang="fr-FR" sz="1600" dirty="0" smtClean="0"/>
-                        <a:t>Bernard ?</a:t>
-                      </a:r>
-                      <a:endParaRPr lang="fr-FR" sz="1600" dirty="0"/>
-                    </a:p>
-                  </a:txBody>
-                  <a:tcPr/>
-                </a:tc>
-                <a:tc>
-                  <a:txBody>
-                    <a:bodyPr/>
-                    <a:lstStyle/>
-                    <a:p>
-                      <a:pPr algn="ctr"/>
-                      <a:r>
-                        <a:rPr lang="fr-FR" sz="1600" dirty="0" smtClean="0"/>
-                        <a:t>Cédric ?</a:t>
-                      </a:r>
-                      <a:endParaRPr lang="fr-FR" sz="1600" dirty="0"/>
-                    </a:p>
-                  </a:txBody>
-                  <a:tcPr/>
-                </a:tc>
-              </a:tr>
-              <a:tr h="370840">
-                <a:tc>
-                  <a:txBody>
-                    <a:bodyPr/>
-                    <a:lstStyle/>
-                    <a:p>
-                      <a:pPr algn="ctr"/>
-                      <a:r>
-                        <a:rPr lang="fr-FR" b="1" dirty="0" smtClean="0"/>
-                        <a:t>Ventes</a:t>
-                      </a:r>
-                      <a:endParaRPr lang="fr-FR" b="1" dirty="0"/>
-                    </a:p>
-                  </a:txBody>
-                  <a:tcPr/>
-                </a:tc>
-                <a:tc>
-                  <a:txBody>
-                    <a:bodyPr/>
-                    <a:lstStyle/>
-                    <a:p>
-                      <a:pPr algn="ctr"/>
-                      <a:r>
-                        <a:rPr lang="fr-FR" dirty="0" smtClean="0"/>
-                        <a:t>Faits</a:t>
-                      </a:r>
-                      <a:endParaRPr lang="fr-FR" dirty="0"/>
-                    </a:p>
-                  </a:txBody>
-                  <a:tcPr/>
-                </a:tc>
-                <a:tc>
-                  <a:txBody>
-                    <a:bodyPr/>
-                    <a:lstStyle/>
-                    <a:p>
-                      <a:pPr algn="ctr"/>
-                      <a:endParaRPr lang="fr-FR" dirty="0"/>
-                    </a:p>
-                  </a:txBody>
-                  <a:tcPr/>
-                </a:tc>
-                <a:tc>
-                  <a:txBody>
-                    <a:bodyPr/>
-                    <a:lstStyle/>
-                    <a:p>
-                      <a:pPr algn="ctr"/>
-                      <a:endParaRPr lang="fr-FR" dirty="0"/>
-                    </a:p>
-                  </a:txBody>
-                  <a:tcPr/>
-                </a:tc>
-                <a:tc>
-                  <a:txBody>
-                    <a:bodyPr/>
-                    <a:lstStyle/>
-                    <a:p>
-                      <a:pPr algn="ctr"/>
-                      <a:r>
-                        <a:rPr lang="fr-FR" dirty="0" smtClean="0"/>
-                        <a:t>?</a:t>
-                      </a:r>
-                      <a:endParaRPr lang="fr-FR" dirty="0"/>
-                    </a:p>
-                  </a:txBody>
-                  <a:tcPr/>
-                </a:tc>
-                <a:tc>
-                  <a:txBody>
-                    <a:bodyPr/>
-                    <a:lstStyle/>
-                    <a:p>
-                      <a:pPr algn="ctr"/>
-                      <a:endParaRPr lang="fr-FR" dirty="0"/>
-                    </a:p>
-                  </a:txBody>
-                  <a:tcPr/>
-                </a:tc>
-                <a:tc>
-                  <a:txBody>
-                    <a:bodyPr/>
-                    <a:lstStyle/>
-                    <a:p>
-                      <a:pPr algn="ctr"/>
-                      <a:endParaRPr lang="fr-FR" dirty="0"/>
-                    </a:p>
-                  </a:txBody>
-                  <a:tcPr/>
-                </a:tc>
-              </a:tr>
-              <a:tr h="370840">
-                <a:tc>
-                  <a:txBody>
-                    <a:bodyPr/>
-                    <a:lstStyle/>
-                    <a:p>
-                      <a:pPr algn="ctr"/>
-                      <a:r>
-                        <a:rPr lang="fr-FR" b="1" dirty="0" smtClean="0"/>
-                        <a:t>Stocks</a:t>
-                      </a:r>
-                      <a:endParaRPr lang="fr-FR" b="1" dirty="0"/>
-                    </a:p>
-                  </a:txBody>
-                  <a:tcPr/>
-                </a:tc>
-                <a:tc>
-                  <a:txBody>
-                    <a:bodyPr/>
-                    <a:lstStyle/>
-                    <a:p>
-                      <a:pPr algn="ctr"/>
-                      <a:r>
-                        <a:rPr lang="fr-FR" dirty="0" smtClean="0"/>
-                        <a:t>Faits</a:t>
-                      </a:r>
-                      <a:endParaRPr lang="fr-FR" dirty="0"/>
-                    </a:p>
-                  </a:txBody>
-                  <a:tcPr/>
-                </a:tc>
-                <a:tc>
-                  <a:txBody>
-                    <a:bodyPr/>
-                    <a:lstStyle/>
-                    <a:p>
-                      <a:pPr algn="ctr"/>
-                      <a:endParaRPr lang="fr-FR" dirty="0"/>
-                    </a:p>
-                  </a:txBody>
-                  <a:tcPr/>
-                </a:tc>
-                <a:tc>
-                  <a:txBody>
-                    <a:bodyPr/>
-                    <a:lstStyle/>
-                    <a:p>
-                      <a:pPr algn="ctr"/>
-                      <a:r>
-                        <a:rPr lang="fr-FR" dirty="0" smtClean="0"/>
-                        <a:t>?</a:t>
-                      </a:r>
-                      <a:endParaRPr lang="fr-FR" dirty="0"/>
-                    </a:p>
-                  </a:txBody>
-                  <a:tcPr/>
-                </a:tc>
-                <a:tc>
-                  <a:txBody>
-                    <a:bodyPr/>
-                    <a:lstStyle/>
-                    <a:p>
-                      <a:pPr algn="ctr"/>
-                      <a:endParaRPr lang="fr-FR" dirty="0"/>
-                    </a:p>
-                  </a:txBody>
-                  <a:tcPr/>
-                </a:tc>
-                <a:tc>
-                  <a:txBody>
-                    <a:bodyPr/>
-                    <a:lstStyle/>
-                    <a:p>
-                      <a:pPr algn="ctr"/>
-                      <a:endParaRPr lang="fr-FR" dirty="0"/>
-                    </a:p>
-                  </a:txBody>
-                  <a:tcPr/>
-                </a:tc>
-                <a:tc>
-                  <a:txBody>
-                    <a:bodyPr/>
-                    <a:lstStyle/>
-                    <a:p>
-                      <a:pPr algn="ctr"/>
-                      <a:endParaRPr lang="fr-FR" dirty="0"/>
-                    </a:p>
-                  </a:txBody>
-                  <a:tcPr/>
-                </a:tc>
-              </a:tr>
-              <a:tr h="370840">
-                <a:tc>
-                  <a:txBody>
-                    <a:bodyPr/>
-                    <a:lstStyle/>
-                    <a:p>
-                      <a:pPr algn="ctr"/>
-                      <a:r>
-                        <a:rPr lang="fr-FR" b="1" dirty="0" smtClean="0"/>
-                        <a:t>Catégories</a:t>
-                      </a:r>
-                    </a:p>
-                  </a:txBody>
-                  <a:tcPr/>
-                </a:tc>
-                <a:tc>
-                  <a:txBody>
-                    <a:bodyPr/>
-                    <a:lstStyle/>
-                    <a:p>
-                      <a:pPr algn="ctr"/>
-                      <a:r>
-                        <a:rPr lang="fr-FR" dirty="0" smtClean="0"/>
-                        <a:t>Dim.</a:t>
-                      </a:r>
-                      <a:endParaRPr lang="fr-FR" dirty="0"/>
-                    </a:p>
-                  </a:txBody>
-                  <a:tcPr/>
-                </a:tc>
-                <a:tc>
-                  <a:txBody>
-                    <a:bodyPr/>
-                    <a:lstStyle/>
-                    <a:p>
-                      <a:pPr algn="ctr"/>
-                      <a:endParaRPr lang="fr-FR" dirty="0"/>
-                    </a:p>
-                  </a:txBody>
-                  <a:tcPr/>
-                </a:tc>
-                <a:tc>
-                  <a:txBody>
-                    <a:bodyPr/>
-                    <a:lstStyle/>
-                    <a:p>
-                      <a:pPr algn="ctr"/>
-                      <a:r>
-                        <a:rPr lang="fr-FR" dirty="0" smtClean="0"/>
-                        <a:t>?</a:t>
-                      </a:r>
-                      <a:endParaRPr lang="fr-FR" dirty="0"/>
-                    </a:p>
-                  </a:txBody>
-                  <a:tcPr/>
-                </a:tc>
-                <a:tc>
-                  <a:txBody>
-                    <a:bodyPr/>
-                    <a:lstStyle/>
-                    <a:p>
-                      <a:pPr algn="ctr"/>
-                      <a:endParaRPr lang="fr-FR" dirty="0"/>
-                    </a:p>
-                  </a:txBody>
-                  <a:tcPr/>
-                </a:tc>
-                <a:tc>
-                  <a:txBody>
-                    <a:bodyPr/>
-                    <a:lstStyle/>
-                    <a:p>
-                      <a:pPr algn="ctr"/>
-                      <a:endParaRPr lang="fr-FR" dirty="0"/>
-                    </a:p>
-                  </a:txBody>
-                  <a:tcPr/>
-                </a:tc>
-                <a:tc>
-                  <a:txBody>
-                    <a:bodyPr/>
-                    <a:lstStyle/>
-                    <a:p>
-                      <a:pPr algn="ctr"/>
-                      <a:endParaRPr lang="fr-FR" dirty="0"/>
-                    </a:p>
-                  </a:txBody>
-                  <a:tcPr/>
-                </a:tc>
-              </a:tr>
-              <a:tr h="370840">
-                <a:tc>
-                  <a:txBody>
-                    <a:bodyPr/>
-                    <a:lstStyle/>
-                    <a:p>
-                      <a:pPr algn="ctr"/>
-                      <a:r>
-                        <a:rPr lang="fr-FR" b="1" dirty="0" smtClean="0"/>
-                        <a:t>Produits</a:t>
-                      </a:r>
-                      <a:endParaRPr lang="fr-FR" b="1" dirty="0"/>
-                    </a:p>
-                  </a:txBody>
-                  <a:tcPr/>
-                </a:tc>
-                <a:tc>
-                  <a:txBody>
-                    <a:bodyPr/>
-                    <a:lstStyle/>
-                    <a:p>
-                      <a:pPr algn="ctr"/>
-                      <a:r>
-                        <a:rPr lang="fr-FR" smtClean="0"/>
-                        <a:t>Dim.</a:t>
-                      </a:r>
-                      <a:endParaRPr lang="fr-FR" dirty="0"/>
-                    </a:p>
-                  </a:txBody>
-                  <a:tcPr/>
-                </a:tc>
-                <a:tc>
-                  <a:txBody>
-                    <a:bodyPr/>
-                    <a:lstStyle/>
-                    <a:p>
-                      <a:pPr algn="ctr"/>
-                      <a:r>
-                        <a:rPr lang="fr-FR" dirty="0" smtClean="0"/>
-                        <a:t>?</a:t>
-                      </a:r>
-                      <a:endParaRPr lang="fr-FR" dirty="0"/>
-                    </a:p>
-                  </a:txBody>
-                  <a:tcPr/>
-                </a:tc>
-                <a:tc>
-                  <a:txBody>
-                    <a:bodyPr/>
-                    <a:lstStyle/>
-                    <a:p>
-                      <a:pPr algn="ctr"/>
-                      <a:endParaRPr lang="fr-FR" dirty="0"/>
-                    </a:p>
-                  </a:txBody>
-                  <a:tcPr/>
-                </a:tc>
-                <a:tc>
-                  <a:txBody>
-                    <a:bodyPr/>
-                    <a:lstStyle/>
-                    <a:p>
-                      <a:pPr algn="ctr"/>
-                      <a:endParaRPr lang="fr-FR" dirty="0"/>
-                    </a:p>
-                  </a:txBody>
-                  <a:tcPr/>
-                </a:tc>
-                <a:tc>
-                  <a:txBody>
-                    <a:bodyPr/>
-                    <a:lstStyle/>
-                    <a:p>
-                      <a:pPr algn="ctr"/>
-                      <a:endParaRPr lang="fr-FR" dirty="0"/>
-                    </a:p>
-                  </a:txBody>
-                  <a:tcPr/>
-                </a:tc>
-                <a:tc>
-                  <a:txBody>
-                    <a:bodyPr/>
-                    <a:lstStyle/>
-                    <a:p>
-                      <a:pPr algn="ctr"/>
-                      <a:endParaRPr lang="fr-FR" dirty="0"/>
-                    </a:p>
-                  </a:txBody>
-                  <a:tcPr/>
-                </a:tc>
-              </a:tr>
-              <a:tr h="370840">
-                <a:tc>
-                  <a:txBody>
-                    <a:bodyPr/>
-                    <a:lstStyle/>
-                    <a:p>
-                      <a:pPr algn="ctr"/>
-                      <a:r>
-                        <a:rPr lang="fr-FR" b="1" dirty="0" smtClean="0"/>
-                        <a:t>Temps</a:t>
-                      </a:r>
-                      <a:endParaRPr lang="fr-FR" b="1" dirty="0"/>
-                    </a:p>
-                  </a:txBody>
-                  <a:tcPr/>
-                </a:tc>
-                <a:tc>
-                  <a:txBody>
-                    <a:bodyPr/>
-                    <a:lstStyle/>
-                    <a:p>
-                      <a:pPr algn="ctr"/>
-                      <a:r>
-                        <a:rPr lang="fr-FR" smtClean="0"/>
-                        <a:t>Dim.</a:t>
-                      </a:r>
-                      <a:endParaRPr lang="fr-FR" dirty="0"/>
-                    </a:p>
-                  </a:txBody>
-                  <a:tcPr/>
-                </a:tc>
-                <a:tc>
-                  <a:txBody>
-                    <a:bodyPr/>
-                    <a:lstStyle/>
-                    <a:p>
-                      <a:pPr algn="ctr"/>
-                      <a:endParaRPr lang="fr-FR" dirty="0"/>
-                    </a:p>
-                  </a:txBody>
-                  <a:tcPr/>
-                </a:tc>
-                <a:tc>
-                  <a:txBody>
-                    <a:bodyPr/>
-                    <a:lstStyle/>
-                    <a:p>
-                      <a:pPr algn="ctr"/>
-                      <a:endParaRPr lang="fr-FR" dirty="0"/>
-                    </a:p>
-                  </a:txBody>
-                  <a:tcPr/>
-                </a:tc>
-                <a:tc>
-                  <a:txBody>
-                    <a:bodyPr/>
-                    <a:lstStyle/>
-                    <a:p>
-                      <a:pPr algn="ctr"/>
-                      <a:r>
-                        <a:rPr lang="fr-FR" dirty="0" smtClean="0"/>
-                        <a:t>?</a:t>
-                      </a:r>
-                      <a:endParaRPr lang="fr-FR" dirty="0"/>
-                    </a:p>
-                  </a:txBody>
-                  <a:tcPr/>
-                </a:tc>
-                <a:tc>
-                  <a:txBody>
-                    <a:bodyPr/>
-                    <a:lstStyle/>
-                    <a:p>
-                      <a:pPr algn="ctr"/>
-                      <a:endParaRPr lang="fr-FR" dirty="0"/>
-                    </a:p>
-                  </a:txBody>
-                  <a:tcPr/>
-                </a:tc>
-                <a:tc>
-                  <a:txBody>
-                    <a:bodyPr/>
-                    <a:lstStyle/>
-                    <a:p>
-                      <a:pPr algn="ctr"/>
-                      <a:endParaRPr lang="fr-FR" dirty="0"/>
-                    </a:p>
-                  </a:txBody>
-                  <a:tcPr/>
-                </a:tc>
-              </a:tr>
-              <a:tr h="370840">
-                <a:tc>
-                  <a:txBody>
-                    <a:bodyPr/>
-                    <a:lstStyle/>
-                    <a:p>
-                      <a:pPr algn="ctr"/>
-                      <a:r>
-                        <a:rPr lang="fr-FR" b="1" dirty="0" smtClean="0"/>
-                        <a:t>Clients</a:t>
-                      </a:r>
-                      <a:endParaRPr lang="fr-FR" b="1" dirty="0"/>
-                    </a:p>
-                  </a:txBody>
-                  <a:tcPr/>
-                </a:tc>
-                <a:tc>
-                  <a:txBody>
-                    <a:bodyPr/>
-                    <a:lstStyle/>
-                    <a:p>
-                      <a:pPr algn="ctr"/>
-                      <a:r>
-                        <a:rPr lang="fr-FR" smtClean="0"/>
-                        <a:t>Dim.</a:t>
-                      </a:r>
-                      <a:endParaRPr lang="fr-FR" dirty="0"/>
-                    </a:p>
-                  </a:txBody>
-                  <a:tcPr/>
-                </a:tc>
-                <a:tc>
-                  <a:txBody>
-                    <a:bodyPr/>
-                    <a:lstStyle/>
-                    <a:p>
-                      <a:pPr algn="ctr"/>
-                      <a:endParaRPr lang="fr-FR" dirty="0"/>
-                    </a:p>
-                  </a:txBody>
-                  <a:tcPr/>
-                </a:tc>
-                <a:tc>
-                  <a:txBody>
-                    <a:bodyPr/>
-                    <a:lstStyle/>
-                    <a:p>
-                      <a:pPr algn="ctr"/>
-                      <a:endParaRPr lang="fr-FR" dirty="0"/>
-                    </a:p>
-                  </a:txBody>
-                  <a:tcPr/>
-                </a:tc>
-                <a:tc>
-                  <a:txBody>
-                    <a:bodyPr/>
-                    <a:lstStyle/>
-                    <a:p>
-                      <a:pPr algn="ctr"/>
-                      <a:endParaRPr lang="fr-FR" dirty="0"/>
-                    </a:p>
-                  </a:txBody>
-                  <a:tcPr/>
-                </a:tc>
-                <a:tc>
-                  <a:txBody>
-                    <a:bodyPr/>
-                    <a:lstStyle/>
-                    <a:p>
-                      <a:pPr algn="ctr"/>
-                      <a:endParaRPr lang="fr-FR" dirty="0"/>
-                    </a:p>
-                  </a:txBody>
-                  <a:tcPr/>
-                </a:tc>
-                <a:tc>
-                  <a:txBody>
-                    <a:bodyPr/>
-                    <a:lstStyle/>
-                    <a:p>
-                      <a:pPr algn="ctr"/>
-                      <a:r>
-                        <a:rPr lang="fr-FR" dirty="0" smtClean="0"/>
-                        <a:t>?</a:t>
-                      </a:r>
-                      <a:endParaRPr lang="fr-FR" dirty="0"/>
-                    </a:p>
-                  </a:txBody>
-                  <a:tcPr/>
-                </a:tc>
-              </a:tr>
-              <a:tr h="370840">
-                <a:tc>
-                  <a:txBody>
-                    <a:bodyPr/>
-                    <a:lstStyle/>
-                    <a:p>
-                      <a:pPr algn="ctr"/>
-                      <a:r>
-                        <a:rPr lang="fr-FR" b="1" dirty="0" smtClean="0"/>
-                        <a:t>Lieux</a:t>
-                      </a:r>
-                      <a:endParaRPr lang="fr-FR" b="1" dirty="0"/>
-                    </a:p>
-                  </a:txBody>
-                  <a:tcPr/>
-                </a:tc>
-                <a:tc>
-                  <a:txBody>
-                    <a:bodyPr/>
-                    <a:lstStyle/>
-                    <a:p>
-                      <a:pPr algn="ctr"/>
-                      <a:r>
-                        <a:rPr lang="fr-FR" smtClean="0"/>
-                        <a:t>Dim.</a:t>
-                      </a:r>
-                      <a:endParaRPr lang="fr-FR" dirty="0"/>
-                    </a:p>
-                  </a:txBody>
-                  <a:tcPr/>
-                </a:tc>
-                <a:tc>
-                  <a:txBody>
-                    <a:bodyPr/>
-                    <a:lstStyle/>
-                    <a:p>
-                      <a:pPr algn="ctr"/>
-                      <a:r>
-                        <a:rPr lang="fr-FR" dirty="0" smtClean="0"/>
-                        <a:t>?</a:t>
-                      </a:r>
-                      <a:endParaRPr lang="fr-FR" dirty="0"/>
-                    </a:p>
-                  </a:txBody>
-                  <a:tcPr/>
-                </a:tc>
-                <a:tc>
-                  <a:txBody>
-                    <a:bodyPr/>
-                    <a:lstStyle/>
-                    <a:p>
-                      <a:pPr algn="ctr"/>
-                      <a:endParaRPr lang="fr-FR" dirty="0"/>
-                    </a:p>
-                  </a:txBody>
-                  <a:tcPr/>
-                </a:tc>
-                <a:tc>
-                  <a:txBody>
-                    <a:bodyPr/>
-                    <a:lstStyle/>
-                    <a:p>
-                      <a:pPr algn="ctr"/>
-                      <a:endParaRPr lang="fr-FR" dirty="0"/>
-                    </a:p>
-                  </a:txBody>
-                  <a:tcPr/>
-                </a:tc>
-                <a:tc>
-                  <a:txBody>
-                    <a:bodyPr/>
-                    <a:lstStyle/>
-                    <a:p>
-                      <a:pPr algn="ctr"/>
-                      <a:endParaRPr lang="fr-FR" dirty="0"/>
-                    </a:p>
-                  </a:txBody>
-                  <a:tcPr/>
-                </a:tc>
-                <a:tc>
-                  <a:txBody>
-                    <a:bodyPr/>
-                    <a:lstStyle/>
-                    <a:p>
-                      <a:pPr algn="ctr"/>
-                      <a:endParaRPr lang="fr-FR" dirty="0"/>
-                    </a:p>
-                  </a:txBody>
-                  <a:tcPr/>
-                </a:tc>
-              </a:tr>
-              <a:tr h="370840">
-                <a:tc>
-                  <a:txBody>
-                    <a:bodyPr/>
-                    <a:lstStyle/>
-                    <a:p>
-                      <a:pPr algn="ctr"/>
-                      <a:r>
-                        <a:rPr lang="fr-FR" b="1" dirty="0" smtClean="0"/>
-                        <a:t>Villes</a:t>
-                      </a:r>
-                      <a:endParaRPr lang="fr-FR" b="1" dirty="0"/>
-                    </a:p>
-                  </a:txBody>
-                  <a:tcPr/>
-                </a:tc>
-                <a:tc>
-                  <a:txBody>
-                    <a:bodyPr/>
-                    <a:lstStyle/>
-                    <a:p>
-                      <a:pPr algn="ctr"/>
-                      <a:r>
-                        <a:rPr lang="fr-FR" dirty="0" smtClean="0"/>
-                        <a:t>Dim.</a:t>
-                      </a:r>
-                      <a:endParaRPr lang="fr-FR" dirty="0"/>
-                    </a:p>
-                  </a:txBody>
-                  <a:tcPr/>
-                </a:tc>
-                <a:tc>
-                  <a:txBody>
-                    <a:bodyPr/>
-                    <a:lstStyle/>
-                    <a:p>
-                      <a:pPr algn="ctr"/>
-                      <a:endParaRPr lang="fr-FR" dirty="0"/>
-                    </a:p>
-                  </a:txBody>
-                  <a:tcPr/>
-                </a:tc>
-                <a:tc>
-                  <a:txBody>
-                    <a:bodyPr/>
-                    <a:lstStyle/>
-                    <a:p>
-                      <a:pPr algn="ctr"/>
-                      <a:endParaRPr lang="fr-FR" dirty="0"/>
-                    </a:p>
-                  </a:txBody>
-                  <a:tcPr/>
-                </a:tc>
-                <a:tc>
-                  <a:txBody>
-                    <a:bodyPr/>
-                    <a:lstStyle/>
-                    <a:p>
-                      <a:pPr algn="ctr"/>
-                      <a:endParaRPr lang="fr-FR" dirty="0"/>
-                    </a:p>
-                  </a:txBody>
-                  <a:tcPr/>
-                </a:tc>
-                <a:tc>
-                  <a:txBody>
-                    <a:bodyPr/>
-                    <a:lstStyle/>
-                    <a:p>
-                      <a:pPr algn="ctr"/>
-                      <a:r>
-                        <a:rPr lang="fr-FR" dirty="0" smtClean="0"/>
-                        <a:t>?</a:t>
-                      </a:r>
-                      <a:endParaRPr lang="fr-FR" dirty="0"/>
-                    </a:p>
-                  </a:txBody>
-                  <a:tcPr/>
-                </a:tc>
-                <a:tc>
-                  <a:txBody>
-                    <a:bodyPr/>
-                    <a:lstStyle/>
-                    <a:p>
-                      <a:pPr algn="ctr"/>
-                      <a:endParaRPr lang="fr-FR" dirty="0"/>
-                    </a:p>
-                  </a:txBody>
-                  <a:tcPr/>
-                </a:tc>
-              </a:tr>
-            </a:tbl>
-          </a:graphicData>
-        </a:graphic>
-      </p:graphicFrame>
+              <a:t>DIM « STOCK »</a:t>
+            </a:r>
+            <a:endParaRPr lang="fr-FR" sz="1400" b="1" dirty="0"/>
+          </a:p>
+        </p:txBody>
+      </p:sp>
+      <p:sp>
+        <p:nvSpPr>
+          <p:cNvPr id="22" name="ZoneTexte 21"/>
+          <p:cNvSpPr txBox="1"/>
+          <p:nvPr/>
+        </p:nvSpPr>
+        <p:spPr>
+          <a:xfrm>
+            <a:off x="50284" y="5715016"/>
+            <a:ext cx="2664296" cy="523220"/>
+          </a:xfrm>
+          <a:prstGeom prst="rect">
+            <a:avLst/>
+          </a:prstGeom>
+          <a:solidFill>
+            <a:schemeClr val="tx2">
+              <a:lumMod val="20000"/>
+              <a:lumOff val="80000"/>
+            </a:schemeClr>
+          </a:solidFill>
+        </p:spPr>
+        <p:txBody>
+          <a:bodyPr wrap="square" rtlCol="0">
+            <a:spAutoFit/>
+          </a:bodyPr>
+          <a:lstStyle/>
+          <a:p>
+            <a:r>
+              <a:rPr lang="fr-FR" sz="1400" dirty="0" smtClean="0"/>
+              <a:t>PERIODE_INV	 </a:t>
+            </a:r>
+            <a:r>
+              <a:rPr lang="fr-FR" sz="1400" dirty="0" err="1" smtClean="0"/>
+              <a:t>varchar</a:t>
+            </a:r>
+            <a:endParaRPr lang="fr-FR" sz="1400" dirty="0" smtClean="0"/>
+          </a:p>
+          <a:p>
+            <a:r>
+              <a:rPr lang="fr-FR" sz="1400" dirty="0" smtClean="0"/>
+              <a:t>MODE_CLOTURE                 </a:t>
+            </a:r>
+            <a:r>
+              <a:rPr lang="fr-FR" sz="1400" dirty="0" err="1" smtClean="0"/>
+              <a:t>varchar</a:t>
+            </a:r>
+            <a:r>
+              <a:rPr lang="fr-FR" sz="1400" dirty="0" smtClean="0"/>
+              <a:t> </a:t>
+            </a:r>
+          </a:p>
+        </p:txBody>
+      </p:sp>
+      <p:sp>
+        <p:nvSpPr>
+          <p:cNvPr id="24" name="Rectangle 23"/>
+          <p:cNvSpPr/>
+          <p:nvPr/>
+        </p:nvSpPr>
+        <p:spPr>
+          <a:xfrm>
+            <a:off x="2786050" y="5715016"/>
+            <a:ext cx="3096344" cy="369332"/>
+          </a:xfrm>
+          <a:prstGeom prst="rect">
+            <a:avLst/>
+          </a:prstGeom>
+        </p:spPr>
+        <p:txBody>
+          <a:bodyPr wrap="square">
+            <a:spAutoFit/>
+          </a:bodyPr>
+          <a:lstStyle/>
+          <a:p>
+            <a:pPr>
+              <a:spcBef>
+                <a:spcPts val="300"/>
+              </a:spcBef>
+              <a:spcAft>
+                <a:spcPts val="300"/>
+              </a:spcAft>
+            </a:pPr>
+            <a:r>
+              <a:rPr lang="fr-FR" b="1" dirty="0" smtClean="0"/>
+              <a:t>Bloc 2</a:t>
+            </a:r>
+            <a:r>
+              <a:rPr lang="fr-FR" dirty="0" smtClean="0"/>
+              <a:t> : attributs</a:t>
+            </a:r>
+          </a:p>
+        </p:txBody>
+      </p:sp>
+      <p:cxnSp>
+        <p:nvCxnSpPr>
+          <p:cNvPr id="33" name="Forme 32"/>
+          <p:cNvCxnSpPr/>
+          <p:nvPr/>
+        </p:nvCxnSpPr>
+        <p:spPr>
+          <a:xfrm rot="10800000" flipV="1">
+            <a:off x="1332148" y="3714752"/>
+            <a:ext cx="1525340" cy="1285884"/>
+          </a:xfrm>
+          <a:prstGeom prst="bentConnector2">
+            <a:avLst/>
+          </a:prstGeom>
+          <a:ln w="22225">
+            <a:tailEnd type="arrow"/>
+          </a:ln>
+        </p:spPr>
+        <p:style>
+          <a:lnRef idx="1">
+            <a:schemeClr val="accent1"/>
+          </a:lnRef>
+          <a:fillRef idx="0">
+            <a:schemeClr val="accent1"/>
+          </a:fillRef>
+          <a:effectRef idx="0">
+            <a:schemeClr val="accent1"/>
+          </a:effectRef>
+          <a:fontRef idx="minor">
+            <a:schemeClr val="tx1"/>
+          </a:fontRef>
+        </p:style>
+      </p:cxnSp>
+      <p:grpSp>
+        <p:nvGrpSpPr>
+          <p:cNvPr id="35" name="Groupe 34"/>
+          <p:cNvGrpSpPr/>
+          <p:nvPr/>
+        </p:nvGrpSpPr>
+        <p:grpSpPr>
+          <a:xfrm>
+            <a:off x="7143768" y="5572140"/>
+            <a:ext cx="1352570" cy="1086700"/>
+            <a:chOff x="723454" y="1367937"/>
+            <a:chExt cx="1352570" cy="1086700"/>
+          </a:xfrm>
+        </p:grpSpPr>
+        <p:sp>
+          <p:nvSpPr>
+            <p:cNvPr id="36" name="ZoneTexte 35"/>
+            <p:cNvSpPr txBox="1"/>
+            <p:nvPr/>
+          </p:nvSpPr>
+          <p:spPr>
+            <a:xfrm>
+              <a:off x="723454" y="1715973"/>
+              <a:ext cx="1352570" cy="738664"/>
+            </a:xfrm>
+            <a:prstGeom prst="rect">
+              <a:avLst/>
+            </a:prstGeom>
+            <a:solidFill>
+              <a:schemeClr val="tx2">
+                <a:lumMod val="20000"/>
+                <a:lumOff val="80000"/>
+              </a:schemeClr>
+            </a:solidFill>
+          </p:spPr>
+          <p:txBody>
+            <a:bodyPr wrap="square" rtlCol="0">
+              <a:spAutoFit/>
+            </a:bodyPr>
+            <a:lstStyle/>
+            <a:p>
+              <a:r>
+                <a:rPr lang="fr-FR" sz="1400" dirty="0" smtClean="0"/>
+                <a:t>CODE_POSTAL</a:t>
+              </a:r>
+            </a:p>
+            <a:p>
+              <a:r>
+                <a:rPr lang="fr-FR" sz="1400" dirty="0" smtClean="0"/>
+                <a:t>NOM_VILLE</a:t>
+              </a:r>
+            </a:p>
+            <a:p>
+              <a:r>
+                <a:rPr lang="fr-FR" sz="1400" dirty="0" smtClean="0"/>
+                <a:t>CODE_INSEE</a:t>
+              </a:r>
+            </a:p>
+          </p:txBody>
+        </p:sp>
+        <p:sp>
+          <p:nvSpPr>
+            <p:cNvPr id="37" name="Rogner un rectangle avec un coin du même côté 36"/>
+            <p:cNvSpPr/>
+            <p:nvPr/>
+          </p:nvSpPr>
+          <p:spPr>
+            <a:xfrm>
+              <a:off x="723454" y="1367937"/>
+              <a:ext cx="1352570" cy="360040"/>
+            </a:xfrm>
+            <a:prstGeom prst="snip2SameRect">
+              <a:avLst>
+                <a:gd name="adj1" fmla="val 0"/>
+                <a:gd name="adj2" fmla="val 0"/>
+              </a:avLst>
+            </a:prstGeom>
+            <a:ln>
+              <a:noFill/>
+            </a:ln>
+          </p:spPr>
+          <p:style>
+            <a:lnRef idx="2">
+              <a:schemeClr val="accent1">
+                <a:shade val="50000"/>
+              </a:schemeClr>
+            </a:lnRef>
+            <a:fillRef idx="1">
+              <a:schemeClr val="accent1"/>
+            </a:fillRef>
+            <a:effectRef idx="0">
+              <a:schemeClr val="accent1"/>
+            </a:effectRef>
+            <a:fontRef idx="minor">
+              <a:schemeClr val="lt1"/>
+            </a:fontRef>
+          </p:style>
+          <p:txBody>
+            <a:bodyPr rtlCol="0" anchor="ctr"/>
+            <a:lstStyle/>
+            <a:p>
+              <a:pPr algn="ctr"/>
+              <a:r>
+                <a:rPr lang="fr-FR" sz="1400" b="1" dirty="0" smtClean="0"/>
+                <a:t>VILLES</a:t>
+              </a:r>
+              <a:endParaRPr lang="fr-FR" sz="1400" b="1" dirty="0"/>
+            </a:p>
+          </p:txBody>
+        </p:sp>
+      </p:grpSp>
+      <p:grpSp>
+        <p:nvGrpSpPr>
+          <p:cNvPr id="38" name="Groupe 37"/>
+          <p:cNvGrpSpPr/>
+          <p:nvPr/>
+        </p:nvGrpSpPr>
+        <p:grpSpPr>
+          <a:xfrm>
+            <a:off x="4857752" y="5000636"/>
+            <a:ext cx="1184250" cy="1086700"/>
+            <a:chOff x="4716016" y="3219219"/>
+            <a:chExt cx="1184250" cy="1086700"/>
+          </a:xfrm>
+        </p:grpSpPr>
+        <p:sp>
+          <p:nvSpPr>
+            <p:cNvPr id="39" name="ZoneTexte 38"/>
+            <p:cNvSpPr txBox="1"/>
+            <p:nvPr/>
+          </p:nvSpPr>
+          <p:spPr>
+            <a:xfrm>
+              <a:off x="4716016" y="3567255"/>
+              <a:ext cx="1184250" cy="738664"/>
+            </a:xfrm>
+            <a:prstGeom prst="rect">
+              <a:avLst/>
+            </a:prstGeom>
+            <a:solidFill>
+              <a:schemeClr val="tx2">
+                <a:lumMod val="20000"/>
+                <a:lumOff val="80000"/>
+              </a:schemeClr>
+            </a:solidFill>
+          </p:spPr>
+          <p:txBody>
+            <a:bodyPr wrap="square" rtlCol="0">
+              <a:spAutoFit/>
+            </a:bodyPr>
+            <a:lstStyle/>
+            <a:p>
+              <a:r>
+                <a:rPr lang="fr-FR" sz="1400" dirty="0"/>
+                <a:t>TYPE_LIEU</a:t>
+              </a:r>
+            </a:p>
+            <a:p>
+              <a:r>
+                <a:rPr lang="fr-FR" sz="1400" dirty="0"/>
+                <a:t>LIBEL_LIEU</a:t>
+              </a:r>
+            </a:p>
+            <a:p>
+              <a:r>
+                <a:rPr lang="fr-FR" sz="1400" dirty="0">
+                  <a:solidFill>
+                    <a:srgbClr val="FF0000"/>
+                  </a:solidFill>
+                </a:rPr>
+                <a:t>ID_VILLE</a:t>
+              </a:r>
+              <a:endParaRPr lang="fr-FR" sz="1400" dirty="0" smtClean="0">
+                <a:solidFill>
+                  <a:srgbClr val="FF0000"/>
+                </a:solidFill>
+              </a:endParaRPr>
+            </a:p>
+          </p:txBody>
+        </p:sp>
+        <p:sp>
+          <p:nvSpPr>
+            <p:cNvPr id="40" name="Rogner un rectangle avec un coin du même côté 39"/>
+            <p:cNvSpPr/>
+            <p:nvPr/>
+          </p:nvSpPr>
+          <p:spPr>
+            <a:xfrm>
+              <a:off x="4716016" y="3219219"/>
+              <a:ext cx="1184250" cy="360040"/>
+            </a:xfrm>
+            <a:prstGeom prst="snip2SameRect">
+              <a:avLst>
+                <a:gd name="adj1" fmla="val 0"/>
+                <a:gd name="adj2" fmla="val 0"/>
+              </a:avLst>
+            </a:prstGeom>
+            <a:ln>
+              <a:noFill/>
+            </a:ln>
+          </p:spPr>
+          <p:style>
+            <a:lnRef idx="2">
+              <a:schemeClr val="accent1">
+                <a:shade val="50000"/>
+              </a:schemeClr>
+            </a:lnRef>
+            <a:fillRef idx="1">
+              <a:schemeClr val="accent1"/>
+            </a:fillRef>
+            <a:effectRef idx="0">
+              <a:schemeClr val="accent1"/>
+            </a:effectRef>
+            <a:fontRef idx="minor">
+              <a:schemeClr val="lt1"/>
+            </a:fontRef>
+          </p:style>
+          <p:txBody>
+            <a:bodyPr rtlCol="0" anchor="ctr"/>
+            <a:lstStyle/>
+            <a:p>
+              <a:pPr algn="ctr"/>
+              <a:r>
+                <a:rPr lang="fr-FR" sz="1400" b="1" dirty="0" smtClean="0"/>
+                <a:t>LIEUX</a:t>
+              </a:r>
+              <a:endParaRPr lang="fr-FR" sz="1400" b="1" dirty="0"/>
+            </a:p>
+          </p:txBody>
+        </p:sp>
+      </p:grpSp>
+      <p:cxnSp>
+        <p:nvCxnSpPr>
+          <p:cNvPr id="29" name="Connecteur droit avec flèche 28"/>
+          <p:cNvCxnSpPr>
+            <a:stCxn id="19" idx="3"/>
+          </p:cNvCxnSpPr>
+          <p:nvPr/>
+        </p:nvCxnSpPr>
+        <p:spPr>
+          <a:xfrm flipV="1">
+            <a:off x="2714612" y="5500702"/>
+            <a:ext cx="2143140" cy="11013"/>
+          </a:xfrm>
+          <a:prstGeom prst="straightConnector1">
+            <a:avLst/>
+          </a:prstGeom>
+          <a:ln w="22225">
+            <a:tailEnd type="arrow"/>
+          </a:ln>
+        </p:spPr>
+        <p:style>
+          <a:lnRef idx="1">
+            <a:schemeClr val="accent1"/>
+          </a:lnRef>
+          <a:fillRef idx="0">
+            <a:schemeClr val="accent1"/>
+          </a:fillRef>
+          <a:effectRef idx="0">
+            <a:schemeClr val="accent1"/>
+          </a:effectRef>
+          <a:fontRef idx="minor">
+            <a:schemeClr val="tx1"/>
+          </a:fontRef>
+        </p:style>
+      </p:cxnSp>
+      <p:cxnSp>
+        <p:nvCxnSpPr>
+          <p:cNvPr id="31" name="Connecteur droit avec flèche 30"/>
+          <p:cNvCxnSpPr/>
+          <p:nvPr/>
+        </p:nvCxnSpPr>
+        <p:spPr>
+          <a:xfrm>
+            <a:off x="6000760" y="5429264"/>
+            <a:ext cx="1143008" cy="714380"/>
+          </a:xfrm>
+          <a:prstGeom prst="straightConnector1">
+            <a:avLst/>
+          </a:prstGeom>
+          <a:ln w="22225">
+            <a:tailEnd type="arrow"/>
+          </a:ln>
+        </p:spPr>
+        <p:style>
+          <a:lnRef idx="1">
+            <a:schemeClr val="accent1"/>
+          </a:lnRef>
+          <a:fillRef idx="0">
+            <a:schemeClr val="accent1"/>
+          </a:fillRef>
+          <a:effectRef idx="0">
+            <a:schemeClr val="accent1"/>
+          </a:effectRef>
+          <a:fontRef idx="minor">
+            <a:schemeClr val="tx1"/>
+          </a:fontRef>
+        </p:style>
+      </p:cxnSp>
+      <p:sp>
+        <p:nvSpPr>
+          <p:cNvPr id="25" name="Rectangle 24"/>
+          <p:cNvSpPr/>
+          <p:nvPr/>
+        </p:nvSpPr>
+        <p:spPr>
+          <a:xfrm>
+            <a:off x="50283" y="1790507"/>
+            <a:ext cx="2645593" cy="1477328"/>
+          </a:xfrm>
+          <a:prstGeom prst="rect">
+            <a:avLst/>
+          </a:prstGeom>
+          <a:ln>
+            <a:solidFill>
+              <a:srgbClr val="92D050"/>
+            </a:solidFill>
+          </a:ln>
+        </p:spPr>
+        <p:txBody>
+          <a:bodyPr wrap="square">
+            <a:spAutoFit/>
+          </a:bodyPr>
+          <a:lstStyle/>
+          <a:p>
+            <a:r>
+              <a:rPr lang="fr-FR" dirty="0" smtClean="0">
+                <a:solidFill>
+                  <a:srgbClr val="FF0000"/>
+                </a:solidFill>
+                <a:latin typeface="Consolas" panose="020B0609020204030204" pitchFamily="49" charset="0"/>
+              </a:rPr>
+              <a:t>La gestion des stocks est reportée, pour se focaliser sur les ventes</a:t>
+            </a:r>
+            <a:endParaRPr lang="fr-FR" dirty="0">
+              <a:solidFill>
+                <a:srgbClr val="FF0000"/>
+              </a:solidFill>
+              <a:latin typeface="Consolas" panose="020B0609020204030204" pitchFamily="49" charset="0"/>
+            </a:endParaRPr>
+          </a:p>
+        </p:txBody>
+      </p:sp>
     </p:spTree>
     <p:extLst>
       <p:ext uri="{BB962C8B-B14F-4D97-AF65-F5344CB8AC3E}">
-        <p14:creationId xmlns:p14="http://schemas.microsoft.com/office/powerpoint/2010/main" val="2087017975"/>
+        <p14:creationId xmlns:p14="http://schemas.microsoft.com/office/powerpoint/2010/main" val="3806460002"/>
       </p:ext>
     </p:extLst>
   </p:cSld>
@@ -7528,7 +7744,7 @@
         <p:spPr>
           <a:xfrm>
             <a:off x="755576" y="678629"/>
-            <a:ext cx="2273251" cy="369332"/>
+            <a:ext cx="3222549" cy="369332"/>
           </a:xfrm>
           <a:prstGeom prst="rect">
             <a:avLst/>
@@ -7550,7 +7766,7 @@
             </a:pPr>
             <a:r>
               <a:rPr lang="fr-FR" b="1" dirty="0" smtClean="0"/>
-              <a:t>Remplissage du DWH</a:t>
+              <a:t>Scripts SQL de création du DWH</a:t>
             </a:r>
           </a:p>
         </p:txBody>
@@ -7564,14 +7780,14 @@
           <p:nvPr>
             <p:extLst>
               <p:ext uri="{D42A27DB-BD31-4B8C-83A1-F6EECF244321}">
-                <p14:modId xmlns:p14="http://schemas.microsoft.com/office/powerpoint/2010/main" val="3241883543"/>
+                <p14:modId xmlns:p14="http://schemas.microsoft.com/office/powerpoint/2010/main" val="366283828"/>
               </p:ext>
             </p:extLst>
           </p:nvPr>
         </p:nvGraphicFramePr>
         <p:xfrm>
           <a:off x="899592" y="1340768"/>
-          <a:ext cx="7316143" cy="3876040"/>
+          <a:ext cx="7316143" cy="3337560"/>
         </p:xfrm>
         <a:graphic>
           <a:graphicData uri="http://schemas.openxmlformats.org/drawingml/2006/table">
@@ -7722,7 +7938,7 @@
                       <a:pPr algn="ctr"/>
                       <a:r>
                         <a:rPr lang="fr-FR" dirty="0" smtClean="0"/>
-                        <a:t>T-SQL</a:t>
+                        <a:t>Faits</a:t>
                       </a:r>
                       <a:endParaRPr lang="fr-FR" dirty="0"/>
                     </a:p>
@@ -7738,14 +7954,7 @@
                       <a:endParaRPr lang="fr-FR" dirty="0"/>
                     </a:p>
                   </a:txBody>
-                  <a:tcPr>
-                    <a:solidFill>
-                      <a:schemeClr val="accent6">
-                        <a:lumMod val="40000"/>
-                        <a:lumOff val="60000"/>
-                      </a:schemeClr>
-                    </a:solidFill>
-                  </a:tcPr>
+                  <a:tcPr/>
                 </a:tc>
                 <a:tc>
                   <a:txBody>
@@ -7756,32 +7965,22 @@
                       <a:endParaRPr lang="fr-FR" dirty="0"/>
                     </a:p>
                   </a:txBody>
-                  <a:tcPr>
-                    <a:solidFill>
-                      <a:schemeClr val="accent6">
-                        <a:lumMod val="40000"/>
-                        <a:lumOff val="60000"/>
-                      </a:schemeClr>
-                    </a:solidFill>
-                  </a:tcPr>
-                </a:tc>
-                <a:tc>
-                  <a:txBody>
-                    <a:bodyPr/>
-                    <a:lstStyle/>
-                    <a:p>
-                      <a:pPr algn="ctr"/>
+                  <a:tcPr/>
+                </a:tc>
+                <a:tc>
+                  <a:txBody>
+                    <a:bodyPr/>
+                    <a:lstStyle/>
+                    <a:p>
+                      <a:pPr algn="ctr"/>
+                      <a:r>
+                        <a:rPr lang="fr-FR" dirty="0" smtClean="0"/>
+                        <a:t>Y</a:t>
+                      </a:r>
                       <a:endParaRPr lang="fr-FR" dirty="0"/>
                     </a:p>
                   </a:txBody>
-                  <a:tcPr>
-                    <a:solidFill>
-                      <a:schemeClr val="accent6">
-                        <a:lumMod val="40000"/>
-                        <a:lumOff val="60000"/>
-                      </a:schemeClr>
-                    </a:solidFill>
-                  </a:tcPr>
+                  <a:tcPr/>
                 </a:tc>
                 <a:tc>
                   <a:txBody>
@@ -7792,14 +7991,7 @@
                       <a:endParaRPr lang="fr-FR" dirty="0"/>
                     </a:p>
                   </a:txBody>
-                  <a:tcPr>
-                    <a:solidFill>
-                      <a:schemeClr val="accent6">
-                        <a:lumMod val="40000"/>
-                        <a:lumOff val="60000"/>
-                      </a:schemeClr>
-                    </a:solidFill>
-                  </a:tcPr>
+                  <a:tcPr/>
                 </a:tc>
                 <a:tc>
                   <a:txBody>
@@ -7810,14 +8002,7 @@
                       <a:endParaRPr lang="fr-FR" dirty="0"/>
                     </a:p>
                   </a:txBody>
-                  <a:tcPr>
-                    <a:solidFill>
-                      <a:schemeClr val="accent6">
-                        <a:lumMod val="40000"/>
-                        <a:lumOff val="60000"/>
-                      </a:schemeClr>
-                    </a:solidFill>
-                  </a:tcPr>
+                  <a:tcPr/>
                 </a:tc>
               </a:tr>
               <a:tr h="370840">
@@ -7844,7 +8029,7 @@
                       <a:pPr algn="ctr"/>
                       <a:r>
                         <a:rPr lang="fr-FR" dirty="0" smtClean="0"/>
-                        <a:t>T-SQL</a:t>
+                        <a:t>Faits</a:t>
                       </a:r>
                       <a:endParaRPr lang="fr-FR" dirty="0"/>
                     </a:p>
@@ -7860,32 +8045,22 @@
                       <a:endParaRPr lang="fr-FR" dirty="0"/>
                     </a:p>
                   </a:txBody>
-                  <a:tcPr>
-                    <a:solidFill>
-                      <a:schemeClr val="accent6">
-                        <a:lumMod val="40000"/>
-                        <a:lumOff val="60000"/>
-                      </a:schemeClr>
-                    </a:solidFill>
-                  </a:tcPr>
-                </a:tc>
-                <a:tc>
-                  <a:txBody>
-                    <a:bodyPr/>
-                    <a:lstStyle/>
-                    <a:p>
-                      <a:pPr algn="ctr"/>
+                  <a:tcPr/>
+                </a:tc>
+                <a:tc>
+                  <a:txBody>
+                    <a:bodyPr/>
+                    <a:lstStyle/>
+                    <a:p>
+                      <a:pPr algn="ctr"/>
+                      <a:r>
+                        <a:rPr lang="fr-FR" dirty="0" smtClean="0"/>
+                        <a:t>Y</a:t>
+                      </a:r>
                       <a:endParaRPr lang="fr-FR" dirty="0"/>
                     </a:p>
                   </a:txBody>
-                  <a:tcPr>
-                    <a:solidFill>
-                      <a:schemeClr val="accent6">
-                        <a:lumMod val="40000"/>
-                        <a:lumOff val="60000"/>
-                      </a:schemeClr>
-                    </a:solidFill>
-                  </a:tcPr>
+                  <a:tcPr/>
                 </a:tc>
                 <a:tc>
                   <a:txBody>
@@ -7896,14 +8071,7 @@
                       <a:endParaRPr lang="fr-FR" dirty="0"/>
                     </a:p>
                   </a:txBody>
-                  <a:tcPr>
-                    <a:solidFill>
-                      <a:schemeClr val="accent6">
-                        <a:lumMod val="40000"/>
-                        <a:lumOff val="60000"/>
-                      </a:schemeClr>
-                    </a:solidFill>
-                  </a:tcPr>
+                  <a:tcPr/>
                 </a:tc>
                 <a:tc>
                   <a:txBody>
@@ -7914,14 +8082,7 @@
                       <a:endParaRPr lang="fr-FR" dirty="0"/>
                     </a:p>
                   </a:txBody>
-                  <a:tcPr>
-                    <a:solidFill>
-                      <a:schemeClr val="accent6">
-                        <a:lumMod val="40000"/>
-                        <a:lumOff val="60000"/>
-                      </a:schemeClr>
-                    </a:solidFill>
-                  </a:tcPr>
+                  <a:tcPr/>
                 </a:tc>
                 <a:tc>
                   <a:txBody>
@@ -7932,14 +8093,7 @@
                       <a:endParaRPr lang="fr-FR" dirty="0"/>
                     </a:p>
                   </a:txBody>
-                  <a:tcPr>
-                    <a:solidFill>
-                      <a:schemeClr val="accent6">
-                        <a:lumMod val="40000"/>
-                        <a:lumOff val="60000"/>
-                      </a:schemeClr>
-                    </a:solidFill>
-                  </a:tcPr>
+                  <a:tcPr/>
                 </a:tc>
               </a:tr>
               <a:tr h="370840">
@@ -7965,7 +8119,7 @@
                       <a:pPr algn="ctr"/>
                       <a:r>
                         <a:rPr lang="fr-FR" dirty="0" smtClean="0"/>
-                        <a:t>.CSV</a:t>
+                        <a:t>Dim.</a:t>
                       </a:r>
                       <a:endParaRPr lang="fr-FR" dirty="0"/>
                     </a:p>
@@ -7981,32 +8135,22 @@
                       <a:endParaRPr lang="fr-FR" dirty="0"/>
                     </a:p>
                   </a:txBody>
-                  <a:tcPr>
-                    <a:solidFill>
-                      <a:schemeClr val="accent6">
-                        <a:lumMod val="40000"/>
-                        <a:lumOff val="60000"/>
-                      </a:schemeClr>
-                    </a:solidFill>
-                  </a:tcPr>
-                </a:tc>
-                <a:tc>
-                  <a:txBody>
-                    <a:bodyPr/>
-                    <a:lstStyle/>
-                    <a:p>
-                      <a:pPr algn="ctr"/>
+                  <a:tcPr/>
+                </a:tc>
+                <a:tc>
+                  <a:txBody>
+                    <a:bodyPr/>
+                    <a:lstStyle/>
+                    <a:p>
+                      <a:pPr algn="ctr"/>
+                      <a:r>
+                        <a:rPr lang="fr-FR" dirty="0" smtClean="0"/>
+                        <a:t>Y</a:t>
+                      </a:r>
                       <a:endParaRPr lang="fr-FR" dirty="0"/>
                     </a:p>
                   </a:txBody>
-                  <a:tcPr>
-                    <a:solidFill>
-                      <a:schemeClr val="accent6">
-                        <a:lumMod val="40000"/>
-                        <a:lumOff val="60000"/>
-                      </a:schemeClr>
-                    </a:solidFill>
-                  </a:tcPr>
+                  <a:tcPr/>
                 </a:tc>
                 <a:tc>
                   <a:txBody>
@@ -8017,14 +8161,7 @@
                       <a:endParaRPr lang="fr-FR" dirty="0"/>
                     </a:p>
                   </a:txBody>
-                  <a:tcPr>
-                    <a:solidFill>
-                      <a:schemeClr val="accent6">
-                        <a:lumMod val="40000"/>
-                        <a:lumOff val="60000"/>
-                      </a:schemeClr>
-                    </a:solidFill>
-                  </a:tcPr>
+                  <a:tcPr/>
                 </a:tc>
                 <a:tc>
                   <a:txBody>
@@ -8035,14 +8172,7 @@
                       <a:endParaRPr lang="fr-FR" dirty="0"/>
                     </a:p>
                   </a:txBody>
-                  <a:tcPr>
-                    <a:solidFill>
-                      <a:schemeClr val="accent6">
-                        <a:lumMod val="40000"/>
-                        <a:lumOff val="60000"/>
-                      </a:schemeClr>
-                    </a:solidFill>
-                  </a:tcPr>
+                  <a:tcPr/>
                 </a:tc>
                 <a:tc>
                   <a:txBody>
@@ -8053,14 +8183,7 @@
                       <a:endParaRPr lang="fr-FR" dirty="0"/>
                     </a:p>
                   </a:txBody>
-                  <a:tcPr>
-                    <a:solidFill>
-                      <a:schemeClr val="accent6">
-                        <a:lumMod val="40000"/>
-                        <a:lumOff val="60000"/>
-                      </a:schemeClr>
-                    </a:solidFill>
-                  </a:tcPr>
+                  <a:tcPr/>
                 </a:tc>
               </a:tr>
               <a:tr h="370840">
@@ -8086,8 +8209,23 @@
                     <a:p>
                       <a:pPr algn="ctr"/>
                       <a:r>
+                        <a:rPr lang="fr-FR" smtClean="0"/>
+                        <a:t>Dim.</a:t>
+                      </a:r>
+                      <a:endParaRPr lang="fr-FR" dirty="0"/>
+                    </a:p>
+                  </a:txBody>
+                  <a:tcPr/>
+                </a:tc>
+                <a:tc>
+                  <a:txBody>
+                    <a:bodyPr/>
+                    <a:lstStyle/>
+                    <a:p>
+                      <a:pPr algn="ctr"/>
+                      <a:r>
                         <a:rPr lang="fr-FR" dirty="0" smtClean="0"/>
-                        <a:t>T-SQL</a:t>
+                        <a:t>Y</a:t>
                       </a:r>
                       <a:endParaRPr lang="fr-FR" dirty="0"/>
                     </a:p>
@@ -8103,14 +8241,7 @@
                       <a:endParaRPr lang="fr-FR" dirty="0"/>
                     </a:p>
                   </a:txBody>
-                  <a:tcPr>
-                    <a:solidFill>
-                      <a:schemeClr val="accent6">
-                        <a:lumMod val="40000"/>
-                        <a:lumOff val="60000"/>
-                      </a:schemeClr>
-                    </a:solidFill>
-                  </a:tcPr>
+                  <a:tcPr/>
                 </a:tc>
                 <a:tc>
                   <a:txBody>
@@ -8121,14 +8252,7 @@
                       <a:endParaRPr lang="fr-FR" dirty="0"/>
                     </a:p>
                   </a:txBody>
-                  <a:tcPr>
-                    <a:solidFill>
-                      <a:schemeClr val="accent6">
-                        <a:lumMod val="40000"/>
-                        <a:lumOff val="60000"/>
-                      </a:schemeClr>
-                    </a:solidFill>
-                  </a:tcPr>
+                  <a:tcPr/>
                 </a:tc>
                 <a:tc>
                   <a:txBody>
@@ -8139,14 +8263,7 @@
                       <a:endParaRPr lang="fr-FR" dirty="0"/>
                     </a:p>
                   </a:txBody>
-                  <a:tcPr>
-                    <a:solidFill>
-                      <a:schemeClr val="accent6">
-                        <a:lumMod val="40000"/>
-                        <a:lumOff val="60000"/>
-                      </a:schemeClr>
-                    </a:solidFill>
-                  </a:tcPr>
+                  <a:tcPr/>
                 </a:tc>
                 <a:tc>
                   <a:txBody>
@@ -8157,32 +8274,7 @@
                       <a:endParaRPr lang="fr-FR" dirty="0"/>
                     </a:p>
                   </a:txBody>
-                  <a:tcPr>
-                    <a:solidFill>
-                      <a:schemeClr val="accent6">
-                        <a:lumMod val="40000"/>
-                        <a:lumOff val="60000"/>
-                      </a:schemeClr>
-                    </a:solidFill>
-                  </a:tcPr>
-                </a:tc>
-                <a:tc>
-                  <a:txBody>
-                    <a:bodyPr/>
-                    <a:lstStyle/>
-                    <a:p>
-                      <a:pPr algn="ctr"/>
-                      <a:endParaRPr lang="fr-FR" dirty="0"/>
-                    </a:p>
-                  </a:txBody>
-                  <a:tcPr>
-                    <a:solidFill>
-                      <a:schemeClr val="accent6">
-                        <a:lumMod val="40000"/>
-                        <a:lumOff val="60000"/>
-                      </a:schemeClr>
-                    </a:solidFill>
-                  </a:tcPr>
+                  <a:tcPr/>
                 </a:tc>
               </a:tr>
               <a:tr h="370840">
@@ -8208,8 +8300,45 @@
                     <a:p>
                       <a:pPr algn="ctr"/>
                       <a:r>
+                        <a:rPr lang="fr-FR" smtClean="0"/>
+                        <a:t>Dim.</a:t>
+                      </a:r>
+                      <a:endParaRPr lang="fr-FR" dirty="0"/>
+                    </a:p>
+                  </a:txBody>
+                  <a:tcPr/>
+                </a:tc>
+                <a:tc>
+                  <a:txBody>
+                    <a:bodyPr/>
+                    <a:lstStyle/>
+                    <a:p>
+                      <a:pPr algn="ctr"/>
+                      <a:endParaRPr lang="fr-FR" dirty="0"/>
+                    </a:p>
+                  </a:txBody>
+                  <a:tcPr/>
+                </a:tc>
+                <a:tc>
+                  <a:txBody>
+                    <a:bodyPr/>
+                    <a:lstStyle/>
+                    <a:p>
+                      <a:pPr algn="ctr"/>
+                      <a:endParaRPr lang="fr-FR" dirty="0"/>
+                    </a:p>
+                  </a:txBody>
+                  <a:tcPr/>
+                </a:tc>
+                <a:tc>
+                  <a:txBody>
+                    <a:bodyPr/>
+                    <a:lstStyle/>
+                    <a:p>
+                      <a:pPr algn="ctr"/>
+                      <a:r>
                         <a:rPr lang="fr-FR" dirty="0" smtClean="0"/>
-                        <a:t>T-SQL</a:t>
+                        <a:t>Y</a:t>
                       </a:r>
                       <a:endParaRPr lang="fr-FR" dirty="0"/>
                     </a:p>
@@ -8225,14 +8354,7 @@
                       <a:endParaRPr lang="fr-FR" dirty="0"/>
                     </a:p>
                   </a:txBody>
-                  <a:tcPr>
-                    <a:solidFill>
-                      <a:schemeClr val="accent6">
-                        <a:lumMod val="40000"/>
-                        <a:lumOff val="60000"/>
-                      </a:schemeClr>
-                    </a:solidFill>
-                  </a:tcPr>
+                  <a:tcPr/>
                 </a:tc>
                 <a:tc>
                   <a:txBody>
@@ -8243,68 +8365,7 @@
                       <a:endParaRPr lang="fr-FR" dirty="0"/>
                     </a:p>
                   </a:txBody>
-                  <a:tcPr>
-                    <a:solidFill>
-                      <a:schemeClr val="accent6">
-                        <a:lumMod val="40000"/>
-                        <a:lumOff val="60000"/>
-                      </a:schemeClr>
-                    </a:solidFill>
-                  </a:tcPr>
-                </a:tc>
-                <a:tc>
-                  <a:txBody>
-                    <a:bodyPr/>
-                    <a:lstStyle/>
-                    <a:p>
-                      <a:pPr algn="ctr"/>
-                      <a:endParaRPr lang="fr-FR" dirty="0"/>
-                    </a:p>
-                  </a:txBody>
-                  <a:tcPr>
-                    <a:solidFill>
-                      <a:schemeClr val="accent6">
-                        <a:lumMod val="40000"/>
-                        <a:lumOff val="60000"/>
-                      </a:schemeClr>
-                    </a:solidFill>
-                  </a:tcPr>
-                </a:tc>
-                <a:tc>
-                  <a:txBody>
-                    <a:bodyPr/>
-                    <a:lstStyle/>
-                    <a:p>
-                      <a:pPr algn="ctr"/>
-                      <a:endParaRPr lang="fr-FR" dirty="0"/>
-                    </a:p>
-                  </a:txBody>
-                  <a:tcPr>
-                    <a:solidFill>
-                      <a:schemeClr val="accent6">
-                        <a:lumMod val="40000"/>
-                        <a:lumOff val="60000"/>
-                      </a:schemeClr>
-                    </a:solidFill>
-                  </a:tcPr>
-                </a:tc>
-                <a:tc>
-                  <a:txBody>
-                    <a:bodyPr/>
-                    <a:lstStyle/>
-                    <a:p>
-                      <a:pPr algn="ctr"/>
-                      <a:endParaRPr lang="fr-FR" dirty="0"/>
-                    </a:p>
-                  </a:txBody>
-                  <a:tcPr>
-                    <a:solidFill>
-                      <a:schemeClr val="accent6">
-                        <a:lumMod val="40000"/>
-                        <a:lumOff val="60000"/>
-                      </a:schemeClr>
-                    </a:solidFill>
-                  </a:tcPr>
+                  <a:tcPr/>
                 </a:tc>
               </a:tr>
               <a:tr h="370840">
@@ -8330,107 +8391,72 @@
                     <a:p>
                       <a:pPr algn="ctr"/>
                       <a:r>
+                        <a:rPr lang="fr-FR" smtClean="0"/>
+                        <a:t>Dim.</a:t>
+                      </a:r>
+                      <a:endParaRPr lang="fr-FR" dirty="0"/>
+                    </a:p>
+                  </a:txBody>
+                  <a:tcPr/>
+                </a:tc>
+                <a:tc>
+                  <a:txBody>
+                    <a:bodyPr/>
+                    <a:lstStyle/>
+                    <a:p>
+                      <a:pPr algn="ctr"/>
+                      <a:endParaRPr lang="fr-FR" dirty="0"/>
+                    </a:p>
+                  </a:txBody>
+                  <a:tcPr/>
+                </a:tc>
+                <a:tc>
+                  <a:txBody>
+                    <a:bodyPr/>
+                    <a:lstStyle/>
+                    <a:p>
+                      <a:pPr algn="ctr"/>
+                      <a:endParaRPr lang="fr-FR" dirty="0"/>
+                    </a:p>
+                  </a:txBody>
+                  <a:tcPr/>
+                </a:tc>
+                <a:tc>
+                  <a:txBody>
+                    <a:bodyPr/>
+                    <a:lstStyle/>
+                    <a:p>
+                      <a:pPr algn="ctr"/>
+                      <a:endParaRPr lang="fr-FR" dirty="0"/>
+                    </a:p>
+                  </a:txBody>
+                  <a:tcPr/>
+                </a:tc>
+                <a:tc>
+                  <a:txBody>
+                    <a:bodyPr/>
+                    <a:lstStyle/>
+                    <a:p>
+                      <a:pPr algn="ctr"/>
+                      <a:endParaRPr lang="fr-FR" dirty="0"/>
+                    </a:p>
+                  </a:txBody>
+                  <a:tcPr/>
+                </a:tc>
+                <a:tc>
+                  <a:txBody>
+                    <a:bodyPr/>
+                    <a:lstStyle/>
+                    <a:p>
+                      <a:pPr algn="ctr"/>
+                      <a:r>
                         <a:rPr lang="fr-FR" dirty="0" smtClean="0"/>
-                        <a:t>.CSV</a:t>
-                      </a:r>
-                      <a:r>
-                        <a:rPr lang="fr-FR" baseline="0" dirty="0" smtClean="0"/>
-                        <a:t> ou T-SQL</a:t>
+                        <a:t>Y</a:t>
                       </a:r>
                       <a:endParaRPr lang="fr-FR" dirty="0"/>
                     </a:p>
                   </a:txBody>
                   <a:tcPr/>
-                </a:tc>
-                <a:tc>
-                  <a:txBody>
-                    <a:bodyPr/>
-                    <a:lstStyle/>
-                    <a:p>
-                      <a:pPr algn="ctr"/>
-                      <a:endParaRPr lang="fr-FR" dirty="0"/>
-                    </a:p>
-                  </a:txBody>
-                  <a:tcPr>
-                    <a:solidFill>
-                      <a:schemeClr val="accent6">
-                        <a:lumMod val="40000"/>
-                        <a:lumOff val="60000"/>
-                      </a:schemeClr>
-                    </a:solidFill>
-                  </a:tcPr>
-                </a:tc>
-                <a:tc>
-                  <a:txBody>
-                    <a:bodyPr/>
-                    <a:lstStyle/>
-                    <a:p>
-                      <a:pPr algn="ctr"/>
-                      <a:endParaRPr lang="fr-FR" dirty="0"/>
-                    </a:p>
-                  </a:txBody>
-                  <a:tcPr>
-                    <a:solidFill>
-                      <a:schemeClr val="accent6">
-                        <a:lumMod val="40000"/>
-                        <a:lumOff val="60000"/>
-                      </a:schemeClr>
-                    </a:solidFill>
-                  </a:tcPr>
-                </a:tc>
-                <a:tc>
-                  <a:txBody>
-                    <a:bodyPr/>
-                    <a:lstStyle/>
-                    <a:p>
-                      <a:pPr algn="ctr"/>
-                      <a:endParaRPr lang="fr-FR" dirty="0"/>
-                    </a:p>
-                  </a:txBody>
-                  <a:tcPr>
-                    <a:solidFill>
-                      <a:schemeClr val="accent6">
-                        <a:lumMod val="40000"/>
-                        <a:lumOff val="60000"/>
-                      </a:schemeClr>
-                    </a:solidFill>
-                  </a:tcPr>
-                </a:tc>
-                <a:tc>
-                  <a:txBody>
-                    <a:bodyPr/>
-                    <a:lstStyle/>
-                    <a:p>
-                      <a:pPr algn="ctr"/>
-                      <a:endParaRPr lang="fr-FR" dirty="0"/>
-                    </a:p>
-                  </a:txBody>
-                  <a:tcPr>
-                    <a:solidFill>
-                      <a:schemeClr val="accent6">
-                        <a:lumMod val="40000"/>
-                        <a:lumOff val="60000"/>
-                      </a:schemeClr>
-                    </a:solidFill>
-                  </a:tcPr>
-                </a:tc>
-                <a:tc>
-                  <a:txBody>
-                    <a:bodyPr/>
-                    <a:lstStyle/>
-                    <a:p>
-                      <a:pPr algn="ctr"/>
-                      <a:endParaRPr lang="fr-FR" dirty="0"/>
-                    </a:p>
-                  </a:txBody>
-                  <a:tcPr>
-                    <a:solidFill>
-                      <a:schemeClr val="accent6">
-                        <a:lumMod val="40000"/>
-                        <a:lumOff val="60000"/>
-                      </a:schemeClr>
-                    </a:solidFill>
-                  </a:tcPr>
                 </a:tc>
               </a:tr>
               <a:tr h="370840">
@@ -8456,8 +8482,23 @@
                     <a:p>
                       <a:pPr algn="ctr"/>
                       <a:r>
+                        <a:rPr lang="fr-FR" smtClean="0"/>
+                        <a:t>Dim.</a:t>
+                      </a:r>
+                      <a:endParaRPr lang="fr-FR" dirty="0"/>
+                    </a:p>
+                  </a:txBody>
+                  <a:tcPr/>
+                </a:tc>
+                <a:tc>
+                  <a:txBody>
+                    <a:bodyPr/>
+                    <a:lstStyle/>
+                    <a:p>
+                      <a:pPr algn="ctr"/>
+                      <a:r>
                         <a:rPr lang="fr-FR" dirty="0" smtClean="0"/>
-                        <a:t>. CSV ou T-SQL</a:t>
+                        <a:t>Y</a:t>
                       </a:r>
                       <a:endParaRPr lang="fr-FR" dirty="0"/>
                     </a:p>
@@ -8473,14 +8514,7 @@
                       <a:endParaRPr lang="fr-FR" dirty="0"/>
                     </a:p>
                   </a:txBody>
-                  <a:tcPr>
-                    <a:solidFill>
-                      <a:schemeClr val="accent6">
-                        <a:lumMod val="40000"/>
-                        <a:lumOff val="60000"/>
-                      </a:schemeClr>
-                    </a:solidFill>
-                  </a:tcPr>
+                  <a:tcPr/>
                 </a:tc>
                 <a:tc>
                   <a:txBody>
@@ -8491,14 +8525,7 @@
                       <a:endParaRPr lang="fr-FR" dirty="0"/>
                     </a:p>
                   </a:txBody>
-                  <a:tcPr>
-                    <a:solidFill>
-                      <a:schemeClr val="accent6">
-                        <a:lumMod val="40000"/>
-                        <a:lumOff val="60000"/>
-                      </a:schemeClr>
-                    </a:solidFill>
-                  </a:tcPr>
+                  <a:tcPr/>
                 </a:tc>
                 <a:tc>
                   <a:txBody>
@@ -8509,14 +8536,7 @@
                       <a:endParaRPr lang="fr-FR" dirty="0"/>
                     </a:p>
                   </a:txBody>
-                  <a:tcPr>
-                    <a:solidFill>
-                      <a:schemeClr val="accent6">
-                        <a:lumMod val="40000"/>
-                        <a:lumOff val="60000"/>
-                      </a:schemeClr>
-                    </a:solidFill>
-                  </a:tcPr>
+                  <a:tcPr/>
                 </a:tc>
                 <a:tc>
                   <a:txBody>
@@ -8527,32 +8547,7 @@
                       <a:endParaRPr lang="fr-FR" dirty="0"/>
                     </a:p>
                   </a:txBody>
-                  <a:tcPr>
-                    <a:solidFill>
-                      <a:schemeClr val="accent6">
-                        <a:lumMod val="40000"/>
-                        <a:lumOff val="60000"/>
-                      </a:schemeClr>
-                    </a:solidFill>
-                  </a:tcPr>
-                </a:tc>
-                <a:tc>
-                  <a:txBody>
-                    <a:bodyPr/>
-                    <a:lstStyle/>
-                    <a:p>
-                      <a:pPr algn="ctr"/>
-                      <a:endParaRPr lang="fr-FR" dirty="0"/>
-                    </a:p>
-                  </a:txBody>
-                  <a:tcPr>
-                    <a:solidFill>
-                      <a:schemeClr val="accent6">
-                        <a:lumMod val="40000"/>
-                        <a:lumOff val="60000"/>
-                      </a:schemeClr>
-                    </a:solidFill>
-                  </a:tcPr>
+                  <a:tcPr/>
                 </a:tc>
               </a:tr>
               <a:tr h="370840">
@@ -8579,7 +8574,7 @@
                       <a:pPr algn="ctr"/>
                       <a:r>
                         <a:rPr lang="fr-FR" dirty="0" smtClean="0"/>
-                        <a:t>.CSV</a:t>
+                        <a:t>Dim.</a:t>
                       </a:r>
                       <a:endParaRPr lang="fr-FR" dirty="0"/>
                     </a:p>
@@ -8595,14 +8590,7 @@
                       <a:endParaRPr lang="fr-FR" dirty="0"/>
                     </a:p>
                   </a:txBody>
-                  <a:tcPr>
-                    <a:solidFill>
-                      <a:schemeClr val="accent6">
-                        <a:lumMod val="40000"/>
-                        <a:lumOff val="60000"/>
-                      </a:schemeClr>
-                    </a:solidFill>
-                  </a:tcPr>
+                  <a:tcPr/>
                 </a:tc>
                 <a:tc>
                   <a:txBody>
@@ -8613,14 +8601,7 @@
                       <a:endParaRPr lang="fr-FR" dirty="0"/>
                     </a:p>
                   </a:txBody>
-                  <a:tcPr>
-                    <a:solidFill>
-                      <a:schemeClr val="accent6">
-                        <a:lumMod val="40000"/>
-                        <a:lumOff val="60000"/>
-                      </a:schemeClr>
-                    </a:solidFill>
-                  </a:tcPr>
+                  <a:tcPr/>
                 </a:tc>
                 <a:tc>
                   <a:txBody>
@@ -8631,32 +8612,22 @@
                       <a:endParaRPr lang="fr-FR" dirty="0"/>
                     </a:p>
                   </a:txBody>
-                  <a:tcPr>
-                    <a:solidFill>
-                      <a:schemeClr val="accent6">
-                        <a:lumMod val="40000"/>
-                        <a:lumOff val="60000"/>
-                      </a:schemeClr>
-                    </a:solidFill>
-                  </a:tcPr>
-                </a:tc>
-                <a:tc>
-                  <a:txBody>
-                    <a:bodyPr/>
-                    <a:lstStyle/>
-                    <a:p>
-                      <a:pPr algn="ctr"/>
+                  <a:tcPr/>
+                </a:tc>
+                <a:tc>
+                  <a:txBody>
+                    <a:bodyPr/>
+                    <a:lstStyle/>
+                    <a:p>
+                      <a:pPr algn="ctr"/>
+                      <a:r>
+                        <a:rPr lang="fr-FR" dirty="0" smtClean="0"/>
+                        <a:t>Y</a:t>
+                      </a:r>
                       <a:endParaRPr lang="fr-FR" dirty="0"/>
                     </a:p>
                   </a:txBody>
-                  <a:tcPr>
-                    <a:solidFill>
-                      <a:schemeClr val="accent6">
-                        <a:lumMod val="40000"/>
-                        <a:lumOff val="60000"/>
-                      </a:schemeClr>
-                    </a:solidFill>
-                  </a:tcPr>
+                  <a:tcPr/>
                 </a:tc>
                 <a:tc>
                   <a:txBody>
@@ -8667,14 +8638,7 @@
                       <a:endParaRPr lang="fr-FR" dirty="0"/>
                     </a:p>
                   </a:txBody>
-                  <a:tcPr>
-                    <a:solidFill>
-                      <a:schemeClr val="accent6">
-                        <a:lumMod val="40000"/>
-                        <a:lumOff val="60000"/>
-                      </a:schemeClr>
-                    </a:solidFill>
-                  </a:tcPr>
+                  <a:tcPr/>
                 </a:tc>
               </a:tr>
             </a:tbl>
@@ -8683,14 +8647,14 @@
       </p:graphicFrame>
       <p:sp>
         <p:nvSpPr>
-          <p:cNvPr id="11" name="ZoneTexte 10"/>
+          <p:cNvPr id="7" name="ZoneTexte 6"/>
           <p:cNvSpPr txBox="1"/>
           <p:nvPr/>
         </p:nvSpPr>
         <p:spPr>
           <a:xfrm>
-            <a:off x="323528" y="5589240"/>
-            <a:ext cx="8208912" cy="738664"/>
+            <a:off x="323528" y="4736969"/>
+            <a:ext cx="8208912" cy="307777"/>
           </a:xfrm>
           <a:prstGeom prst="rect">
             <a:avLst/>
@@ -8718,7 +8682,54 @@
           <a:p>
             <a:r>
               <a:rPr lang="fr-FR" sz="1400" dirty="0" smtClean="0"/>
-              <a:t>Des exemples complets sont disponibles dans </a:t>
+              <a:t>Le script SQL de création de la base opérationnelle est dispo sous Git Hub : </a:t>
+            </a:r>
+            <a:r>
+              <a:rPr lang="fr-FR" sz="1400" b="1" dirty="0"/>
+              <a:t>/SOURCES/BASE_SQL_SERVER</a:t>
+            </a:r>
+            <a:endParaRPr lang="fr-FR" sz="1400" b="1" dirty="0" smtClean="0"/>
+          </a:p>
+        </p:txBody>
+      </p:sp>
+      <p:sp>
+        <p:nvSpPr>
+          <p:cNvPr id="11" name="ZoneTexte 10"/>
+          <p:cNvSpPr txBox="1"/>
+          <p:nvPr/>
+        </p:nvSpPr>
+        <p:spPr>
+          <a:xfrm>
+            <a:off x="323528" y="5157192"/>
+            <a:ext cx="8208912" cy="1169551"/>
+          </a:xfrm>
+          <a:prstGeom prst="rect">
+            <a:avLst/>
+          </a:prstGeom>
+        </p:spPr>
+        <p:style>
+          <a:lnRef idx="1">
+            <a:schemeClr val="accent5"/>
+          </a:lnRef>
+          <a:fillRef idx="2">
+            <a:schemeClr val="accent5"/>
+          </a:fillRef>
+          <a:effectRef idx="1">
+            <a:schemeClr val="accent5"/>
+          </a:effectRef>
+          <a:fontRef idx="minor">
+            <a:schemeClr val="dk1"/>
+          </a:fontRef>
+        </p:style>
+        <p:txBody>
+          <a:bodyPr wrap="square" rtlCol="0">
+            <a:spAutoFit/>
+          </a:bodyPr>
+          <a:lstStyle/>
+          <a:p>
+            <a:r>
+              <a:rPr lang="fr-FR" sz="1400" dirty="0" smtClean="0"/>
+              <a:t>Une 1ere version du script SQL de création du DWH est dispo sous Git Hub : </a:t>
             </a:r>
             <a:r>
               <a:rPr lang="fr-FR" sz="1400" b="1" dirty="0"/>
@@ -8726,54 +8737,161 @@
             </a:r>
             <a:r>
               <a:rPr lang="fr-FR" sz="1400" b="1" dirty="0" smtClean="0"/>
-              <a:t>DOCUMENTATION/6 – Ressources/Microsoft Exemples</a:t>
-            </a:r>
-          </a:p>
-          <a:p>
+              <a:t>SOURCES/BASE_DWH</a:t>
+            </a:r>
+          </a:p>
+          <a:p>
+            <a:pPr marL="342900" indent="-342900">
+              <a:buFont typeface="+mj-lt"/>
+              <a:buAutoNum type="arabicPeriod"/>
+            </a:pPr>
             <a:r>
               <a:rPr lang="fr-FR" sz="1400" dirty="0" smtClean="0"/>
-              <a:t>Vous pouvez </a:t>
-            </a:r>
-            <a:r>
-              <a:rPr lang="fr-FR" sz="1400" dirty="0"/>
-              <a:t>télécharger l’exemple complet sur le site de </a:t>
-            </a:r>
+              <a:t>Synchronisez-vous sur Hit Hub pour récupérer en local la dernière version de ce script</a:t>
+            </a:r>
+          </a:p>
+          <a:p>
+            <a:pPr marL="342900" indent="-342900">
+              <a:buFont typeface="+mj-lt"/>
+              <a:buAutoNum type="arabicPeriod"/>
+            </a:pPr>
             <a:r>
               <a:rPr lang="fr-FR" sz="1400" dirty="0" smtClean="0"/>
-              <a:t>Microsoft </a:t>
-            </a:r>
+              <a:t>Faites vos modifications dessus</a:t>
+            </a:r>
+          </a:p>
+          <a:p>
+            <a:pPr marL="342900" indent="-342900">
+              <a:buFont typeface="+mj-lt"/>
+              <a:buAutoNum type="arabicPeriod"/>
+            </a:pPr>
             <a:r>
               <a:rPr lang="fr-FR" sz="1400" dirty="0" smtClean="0"/>
-              <a:t>:</a:t>
-            </a:r>
-          </a:p>
-          <a:p>
-            <a:r>
-              <a:rPr lang="fr-FR" sz="1400" dirty="0" smtClean="0">
-                <a:hlinkClick r:id="rId4"/>
+              <a:t>Faites un Commit pour le pousser dans votre repo Git local</a:t>
+            </a:r>
+          </a:p>
+          <a:p>
+            <a:pPr marL="342900" indent="-342900">
+              <a:buFont typeface="+mj-lt"/>
+              <a:buAutoNum type="arabicPeriod"/>
+            </a:pPr>
+            <a:r>
+              <a:rPr lang="fr-FR" sz="1400" dirty="0" smtClean="0"/>
+              <a:t>Faites à nouveau un </a:t>
+            </a:r>
+            <a:r>
+              <a:rPr lang="fr-FR" sz="1400" dirty="0" err="1" smtClean="0"/>
+              <a:t>Sync</a:t>
+            </a:r>
+            <a:r>
+              <a:rPr lang="fr-FR" sz="1400" dirty="0" smtClean="0"/>
+              <a:t> pour mettre sous Git Hub</a:t>
+            </a:r>
+          </a:p>
+        </p:txBody>
+      </p:sp>
+      <p:sp>
+        <p:nvSpPr>
+          <p:cNvPr id="2" name="Rectangle 1"/>
+          <p:cNvSpPr/>
+          <p:nvPr/>
+        </p:nvSpPr>
+        <p:spPr>
+          <a:xfrm>
+            <a:off x="4067944" y="15006"/>
+            <a:ext cx="2952328" cy="1200329"/>
+          </a:xfrm>
+          <a:prstGeom prst="rect">
+            <a:avLst/>
+          </a:prstGeom>
+          <a:ln>
+            <a:solidFill>
+              <a:srgbClr val="92D050"/>
+            </a:solidFill>
+          </a:ln>
+        </p:spPr>
+        <p:txBody>
+          <a:bodyPr wrap="square">
+            <a:spAutoFit/>
+          </a:bodyPr>
+          <a:lstStyle/>
+          <a:p>
+            <a:r>
+              <a:rPr lang="fr-FR" dirty="0" smtClean="0">
+                <a:solidFill>
+                  <a:srgbClr val="008000"/>
+                </a:solidFill>
+                <a:latin typeface="Consolas" panose="020B0609020204030204" pitchFamily="49" charset="0"/>
               </a:rPr>
-              <a:t>https</a:t>
-            </a:r>
-            <a:r>
-              <a:rPr lang="fr-FR" sz="1400" dirty="0">
-                <a:hlinkClick r:id="rId4"/>
+              <a:t>Sous SSMS, aller dans le menu </a:t>
+            </a:r>
+            <a:r>
+              <a:rPr lang="fr-FR" dirty="0">
+                <a:solidFill>
+                  <a:srgbClr val="008000"/>
+                </a:solidFill>
+                <a:latin typeface="Consolas" panose="020B0609020204030204" pitchFamily="49" charset="0"/>
               </a:rPr>
-              <a:t>://</a:t>
-            </a:r>
-            <a:r>
-              <a:rPr lang="fr-FR" sz="1400" dirty="0" smtClean="0">
-                <a:hlinkClick r:id="rId4"/>
+              <a:t>"</a:t>
+            </a:r>
+            <a:r>
+              <a:rPr lang="fr-FR" b="1" dirty="0">
+                <a:solidFill>
+                  <a:srgbClr val="008000"/>
+                </a:solidFill>
+                <a:latin typeface="Consolas" panose="020B0609020204030204" pitchFamily="49" charset="0"/>
               </a:rPr>
-              <a:t>msftdbprodsamples.codeplex.com/releases/view/125550</a:t>
-            </a:r>
-            <a:endParaRPr lang="fr-FR" sz="1400" dirty="0" smtClean="0"/>
+              <a:t>QUERY</a:t>
+            </a:r>
+            <a:r>
+              <a:rPr lang="fr-FR" dirty="0">
+                <a:solidFill>
+                  <a:srgbClr val="008000"/>
+                </a:solidFill>
+                <a:latin typeface="Consolas" panose="020B0609020204030204" pitchFamily="49" charset="0"/>
+              </a:rPr>
+              <a:t>" &gt; "</a:t>
+            </a:r>
+            <a:r>
+              <a:rPr lang="fr-FR" b="1" dirty="0">
+                <a:solidFill>
+                  <a:srgbClr val="008000"/>
+                </a:solidFill>
+                <a:latin typeface="Consolas" panose="020B0609020204030204" pitchFamily="49" charset="0"/>
+              </a:rPr>
+              <a:t>SQLCMD </a:t>
+            </a:r>
+            <a:r>
+              <a:rPr lang="fr-FR" b="1" dirty="0" smtClean="0">
+                <a:solidFill>
+                  <a:srgbClr val="008000"/>
+                </a:solidFill>
+                <a:latin typeface="Consolas" panose="020B0609020204030204" pitchFamily="49" charset="0"/>
+              </a:rPr>
+              <a:t>MODE</a:t>
+            </a:r>
+            <a:r>
+              <a:rPr lang="fr-FR" dirty="0" smtClean="0">
+                <a:solidFill>
+                  <a:srgbClr val="008000"/>
+                </a:solidFill>
+                <a:latin typeface="Consolas" panose="020B0609020204030204" pitchFamily="49" charset="0"/>
+              </a:rPr>
+              <a:t>" pour lancer les scripts SQL</a:t>
+            </a:r>
+            <a:endParaRPr lang="fr-FR" dirty="0">
+              <a:solidFill>
+                <a:srgbClr val="008000"/>
+              </a:solidFill>
+              <a:latin typeface="Consolas" panose="020B0609020204030204" pitchFamily="49" charset="0"/>
+            </a:endParaRPr>
           </a:p>
         </p:txBody>
       </p:sp>
     </p:spTree>
     <p:extLst>
       <p:ext uri="{BB962C8B-B14F-4D97-AF65-F5344CB8AC3E}">
-        <p14:creationId xmlns:p14="http://schemas.microsoft.com/office/powerpoint/2010/main" val="3386994408"/>
+        <p14:creationId xmlns:p14="http://schemas.microsoft.com/office/powerpoint/2010/main" val="2087017975"/>
       </p:ext>
     </p:extLst>
   </p:cSld>
@@ -8807,6 +8925,1951 @@
           <a:chExt cx="0" cy="0"/>
         </a:xfrm>
       </p:grpSpPr>
+      <p:pic>
+        <p:nvPicPr>
+          <p:cNvPr id="9" name="Picture 61"/>
+          <p:cNvPicPr/>
+          <p:nvPr/>
+        </p:nvPicPr>
+        <p:blipFill>
+          <a:blip r:embed="rId3" cstate="print">
+            <a:extLst>
+              <a:ext uri="{28A0092B-C50C-407E-A947-70E740481C1C}">
+                <a14:useLocalDpi xmlns:a14="http://schemas.microsoft.com/office/drawing/2010/main" val="0"/>
+              </a:ext>
+            </a:extLst>
+          </a:blip>
+          <a:stretch>
+            <a:fillRect/>
+          </a:stretch>
+        </p:blipFill>
+        <p:spPr>
+          <a:xfrm>
+            <a:off x="6876257" y="232514"/>
+            <a:ext cx="1978376" cy="892230"/>
+          </a:xfrm>
+          <a:prstGeom prst="rect">
+            <a:avLst/>
+          </a:prstGeom>
+        </p:spPr>
+      </p:pic>
+      <p:sp>
+        <p:nvSpPr>
+          <p:cNvPr id="10" name="ZoneTexte 9"/>
+          <p:cNvSpPr txBox="1"/>
+          <p:nvPr/>
+        </p:nvSpPr>
+        <p:spPr>
+          <a:xfrm>
+            <a:off x="107504" y="107340"/>
+            <a:ext cx="2386231" cy="369332"/>
+          </a:xfrm>
+          <a:prstGeom prst="rect">
+            <a:avLst/>
+          </a:prstGeom>
+        </p:spPr>
+        <p:style>
+          <a:lnRef idx="0">
+            <a:schemeClr val="accent1"/>
+          </a:lnRef>
+          <a:fillRef idx="3">
+            <a:schemeClr val="accent1"/>
+          </a:fillRef>
+          <a:effectRef idx="3">
+            <a:schemeClr val="accent1"/>
+          </a:effectRef>
+          <a:fontRef idx="minor">
+            <a:schemeClr val="lt1"/>
+          </a:fontRef>
+        </p:style>
+        <p:txBody>
+          <a:bodyPr wrap="none" rtlCol="0">
+            <a:spAutoFit/>
+          </a:bodyPr>
+          <a:lstStyle/>
+          <a:p>
+            <a:r>
+              <a:rPr lang="fr-FR" dirty="0" smtClean="0"/>
+              <a:t>Construction de la base</a:t>
+            </a:r>
+            <a:endParaRPr lang="fr-FR" dirty="0"/>
+          </a:p>
+        </p:txBody>
+      </p:sp>
+      <p:sp>
+        <p:nvSpPr>
+          <p:cNvPr id="12" name="Rectangle 11"/>
+          <p:cNvSpPr/>
+          <p:nvPr/>
+        </p:nvSpPr>
+        <p:spPr>
+          <a:xfrm>
+            <a:off x="755576" y="678629"/>
+            <a:ext cx="2273251" cy="369332"/>
+          </a:xfrm>
+          <a:prstGeom prst="rect">
+            <a:avLst/>
+          </a:prstGeom>
+        </p:spPr>
+        <p:txBody>
+          <a:bodyPr wrap="none">
+            <a:spAutoFit/>
+          </a:bodyPr>
+          <a:lstStyle/>
+          <a:p>
+            <a:pPr>
+              <a:spcBef>
+                <a:spcPts val="600"/>
+              </a:spcBef>
+              <a:spcAft>
+                <a:spcPts val="600"/>
+              </a:spcAft>
+            </a:pPr>
+            <a:r>
+              <a:rPr lang="fr-FR" b="1" dirty="0" smtClean="0"/>
+              <a:t>Remplissage du DWH</a:t>
+            </a:r>
+          </a:p>
+        </p:txBody>
+      </p:sp>
+      <p:graphicFrame>
+        <p:nvGraphicFramePr>
+          <p:cNvPr id="8" name="Tableau 7"/>
+          <p:cNvGraphicFramePr>
+            <a:graphicFrameLocks noGrp="1"/>
+          </p:cNvGraphicFramePr>
+          <p:nvPr>
+            <p:extLst>
+              <p:ext uri="{D42A27DB-BD31-4B8C-83A1-F6EECF244321}">
+                <p14:modId xmlns:p14="http://schemas.microsoft.com/office/powerpoint/2010/main" val="1234100115"/>
+              </p:ext>
+            </p:extLst>
+          </p:nvPr>
+        </p:nvGraphicFramePr>
+        <p:xfrm>
+          <a:off x="899591" y="1340768"/>
+          <a:ext cx="7955041" cy="3627120"/>
+        </p:xfrm>
+        <a:graphic>
+          <a:graphicData uri="http://schemas.openxmlformats.org/drawingml/2006/table">
+            <a:tbl>
+              <a:tblPr firstRow="1" bandRow="1">
+                <a:tableStyleId>{5C22544A-7EE6-4342-B048-85BDC9FD1C3A}</a:tableStyleId>
+              </a:tblPr>
+              <a:tblGrid>
+                <a:gridCol w="1296145"/>
+                <a:gridCol w="1728192"/>
+                <a:gridCol w="4930704"/>
+              </a:tblGrid>
+              <a:tr h="370840">
+                <a:tc>
+                  <a:txBody>
+                    <a:bodyPr/>
+                    <a:lstStyle/>
+                    <a:p>
+                      <a:pPr algn="ctr"/>
+                      <a:r>
+                        <a:rPr lang="fr-FR" sz="1600" dirty="0" smtClean="0"/>
+                        <a:t>Table</a:t>
+                      </a:r>
+                      <a:endParaRPr lang="fr-FR" sz="1600" dirty="0"/>
+                    </a:p>
+                  </a:txBody>
+                  <a:tcPr/>
+                </a:tc>
+                <a:tc>
+                  <a:txBody>
+                    <a:bodyPr/>
+                    <a:lstStyle/>
+                    <a:p>
+                      <a:pPr algn="ctr"/>
+                      <a:r>
+                        <a:rPr lang="fr-FR" sz="1600" dirty="0" smtClean="0"/>
+                        <a:t>Méthode</a:t>
+                      </a:r>
+                      <a:r>
+                        <a:rPr lang="fr-FR" sz="1600" baseline="0" dirty="0" smtClean="0"/>
+                        <a:t> de remplissage</a:t>
+                      </a:r>
+                      <a:endParaRPr lang="fr-FR" sz="1600" dirty="0"/>
+                    </a:p>
+                  </a:txBody>
+                  <a:tcPr/>
+                </a:tc>
+                <a:tc>
+                  <a:txBody>
+                    <a:bodyPr/>
+                    <a:lstStyle/>
+                    <a:p>
+                      <a:pPr algn="ctr"/>
+                      <a:r>
+                        <a:rPr lang="fr-FR" sz="1600" dirty="0" smtClean="0"/>
+                        <a:t>Description &amp; fichiers ressources</a:t>
+                      </a:r>
+                      <a:endParaRPr lang="fr-FR" sz="1600" dirty="0"/>
+                    </a:p>
+                  </a:txBody>
+                  <a:tcPr/>
+                </a:tc>
+              </a:tr>
+              <a:tr h="370840">
+                <a:tc>
+                  <a:txBody>
+                    <a:bodyPr/>
+                    <a:lstStyle/>
+                    <a:p>
+                      <a:pPr algn="ctr"/>
+                      <a:r>
+                        <a:rPr lang="fr-FR" b="1" dirty="0" smtClean="0"/>
+                        <a:t>Ventes</a:t>
+                      </a:r>
+                      <a:endParaRPr lang="fr-FR" b="1" dirty="0"/>
+                    </a:p>
+                  </a:txBody>
+                  <a:tcPr/>
+                </a:tc>
+                <a:tc>
+                  <a:txBody>
+                    <a:bodyPr/>
+                    <a:lstStyle/>
+                    <a:p>
+                      <a:pPr algn="ctr"/>
+                      <a:r>
+                        <a:rPr lang="fr-FR" dirty="0" smtClean="0"/>
+                        <a:t>T-SQL</a:t>
+                      </a:r>
+                      <a:endParaRPr lang="fr-FR" dirty="0"/>
+                    </a:p>
+                  </a:txBody>
+                  <a:tcPr/>
+                </a:tc>
+                <a:tc>
+                  <a:txBody>
+                    <a:bodyPr/>
+                    <a:lstStyle/>
+                    <a:p>
+                      <a:pPr algn="l"/>
+                      <a:r>
+                        <a:rPr lang="fr-FR" sz="1600" kern="1200" dirty="0" smtClean="0">
+                          <a:solidFill>
+                            <a:schemeClr val="dk1"/>
+                          </a:solidFill>
+                          <a:latin typeface="+mn-lt"/>
+                          <a:ea typeface="+mn-ea"/>
+                          <a:cs typeface="+mn-cs"/>
+                        </a:rPr>
+                        <a:t>Procédure T-SQL</a:t>
+                      </a:r>
+                      <a:r>
+                        <a:rPr lang="fr-FR" sz="1600" kern="1200" baseline="0" dirty="0" smtClean="0">
+                          <a:solidFill>
+                            <a:schemeClr val="dk1"/>
+                          </a:solidFill>
+                          <a:latin typeface="+mn-lt"/>
+                          <a:ea typeface="+mn-ea"/>
+                          <a:cs typeface="+mn-cs"/>
+                        </a:rPr>
+                        <a:t> qui va créer aléatoirement des ventes</a:t>
+                      </a:r>
+                      <a:endParaRPr lang="fr-FR" sz="1600" kern="1200" dirty="0">
+                        <a:solidFill>
+                          <a:schemeClr val="dk1"/>
+                        </a:solidFill>
+                        <a:latin typeface="+mn-lt"/>
+                        <a:ea typeface="+mn-ea"/>
+                        <a:cs typeface="+mn-cs"/>
+                      </a:endParaRPr>
+                    </a:p>
+                  </a:txBody>
+                  <a:tcPr/>
+                </a:tc>
+              </a:tr>
+              <a:tr h="370840">
+                <a:tc>
+                  <a:txBody>
+                    <a:bodyPr/>
+                    <a:lstStyle/>
+                    <a:p>
+                      <a:pPr algn="ctr"/>
+                      <a:r>
+                        <a:rPr lang="fr-FR" b="1" dirty="0" smtClean="0"/>
+                        <a:t>Catégories</a:t>
+                      </a:r>
+                    </a:p>
+                  </a:txBody>
+                  <a:tcPr/>
+                </a:tc>
+                <a:tc>
+                  <a:txBody>
+                    <a:bodyPr/>
+                    <a:lstStyle/>
+                    <a:p>
+                      <a:pPr algn="ctr"/>
+                      <a:r>
+                        <a:rPr lang="fr-FR" dirty="0" smtClean="0"/>
+                        <a:t>.CSV</a:t>
+                      </a:r>
+                      <a:endParaRPr lang="fr-FR" dirty="0"/>
+                    </a:p>
+                  </a:txBody>
+                  <a:tcPr/>
+                </a:tc>
+                <a:tc>
+                  <a:txBody>
+                    <a:bodyPr/>
+                    <a:lstStyle/>
+                    <a:p>
+                      <a:pPr algn="l"/>
+                      <a:r>
+                        <a:rPr lang="fr-FR" sz="1600" dirty="0" smtClean="0"/>
+                        <a:t>Fichier EXCEL existant à charger en table</a:t>
+                      </a:r>
+                      <a:endParaRPr lang="fr-FR" sz="1600" dirty="0"/>
+                    </a:p>
+                  </a:txBody>
+                  <a:tcPr/>
+                </a:tc>
+              </a:tr>
+              <a:tr h="370840">
+                <a:tc>
+                  <a:txBody>
+                    <a:bodyPr/>
+                    <a:lstStyle/>
+                    <a:p>
+                      <a:pPr algn="ctr"/>
+                      <a:r>
+                        <a:rPr lang="fr-FR" b="1" dirty="0" smtClean="0"/>
+                        <a:t>Produits</a:t>
+                      </a:r>
+                      <a:endParaRPr lang="fr-FR" b="1" dirty="0"/>
+                    </a:p>
+                  </a:txBody>
+                  <a:tcPr/>
+                </a:tc>
+                <a:tc>
+                  <a:txBody>
+                    <a:bodyPr/>
+                    <a:lstStyle/>
+                    <a:p>
+                      <a:pPr algn="ctr"/>
+                      <a:r>
+                        <a:rPr lang="fr-FR" dirty="0" smtClean="0"/>
+                        <a:t>T-SQL</a:t>
+                      </a:r>
+                      <a:endParaRPr lang="fr-FR" dirty="0"/>
+                    </a:p>
+                  </a:txBody>
+                  <a:tcPr/>
+                </a:tc>
+                <a:tc>
+                  <a:txBody>
+                    <a:bodyPr/>
+                    <a:lstStyle/>
+                    <a:p>
+                      <a:pPr marL="0" marR="0" indent="0" algn="l" defTabSz="914400" rtl="0" eaLnBrk="1" fontAlgn="auto" latinLnBrk="0" hangingPunct="1">
+                        <a:lnSpc>
+                          <a:spcPct val="100000"/>
+                        </a:lnSpc>
+                        <a:spcBef>
+                          <a:spcPts val="0"/>
+                        </a:spcBef>
+                        <a:spcAft>
+                          <a:spcPts val="0"/>
+                        </a:spcAft>
+                        <a:buClrTx/>
+                        <a:buSzTx/>
+                        <a:buFontTx/>
+                        <a:buNone/>
+                        <a:tabLst/>
+                        <a:defRPr/>
+                      </a:pPr>
+                      <a:r>
+                        <a:rPr lang="fr-FR" sz="1600" kern="1200" dirty="0" smtClean="0">
+                          <a:solidFill>
+                            <a:schemeClr val="dk1"/>
+                          </a:solidFill>
+                          <a:latin typeface="+mn-lt"/>
+                          <a:ea typeface="+mn-ea"/>
+                          <a:cs typeface="+mn-cs"/>
+                        </a:rPr>
+                        <a:t>Procédure T-SQL</a:t>
+                      </a:r>
+                      <a:r>
+                        <a:rPr lang="fr-FR" sz="1600" kern="1200" baseline="0" dirty="0" smtClean="0">
+                          <a:solidFill>
+                            <a:schemeClr val="dk1"/>
+                          </a:solidFill>
+                          <a:latin typeface="+mn-lt"/>
+                          <a:ea typeface="+mn-ea"/>
+                          <a:cs typeface="+mn-cs"/>
+                        </a:rPr>
+                        <a:t> qui va créer aléatoirement des produits</a:t>
+                      </a:r>
+                      <a:endParaRPr lang="fr-FR" sz="1600" kern="1200" dirty="0" smtClean="0">
+                        <a:solidFill>
+                          <a:schemeClr val="dk1"/>
+                        </a:solidFill>
+                        <a:latin typeface="+mn-lt"/>
+                        <a:ea typeface="+mn-ea"/>
+                        <a:cs typeface="+mn-cs"/>
+                      </a:endParaRPr>
+                    </a:p>
+                  </a:txBody>
+                  <a:tcPr/>
+                </a:tc>
+              </a:tr>
+              <a:tr h="370840">
+                <a:tc>
+                  <a:txBody>
+                    <a:bodyPr/>
+                    <a:lstStyle/>
+                    <a:p>
+                      <a:pPr algn="ctr"/>
+                      <a:r>
+                        <a:rPr lang="fr-FR" b="1" dirty="0" smtClean="0"/>
+                        <a:t>Temps</a:t>
+                      </a:r>
+                      <a:endParaRPr lang="fr-FR" b="1" dirty="0"/>
+                    </a:p>
+                  </a:txBody>
+                  <a:tcPr/>
+                </a:tc>
+                <a:tc>
+                  <a:txBody>
+                    <a:bodyPr/>
+                    <a:lstStyle/>
+                    <a:p>
+                      <a:pPr algn="ctr"/>
+                      <a:r>
+                        <a:rPr lang="fr-FR" dirty="0" smtClean="0"/>
+                        <a:t>T-SQL</a:t>
+                      </a:r>
+                      <a:endParaRPr lang="fr-FR" dirty="0"/>
+                    </a:p>
+                  </a:txBody>
+                  <a:tcPr/>
+                </a:tc>
+                <a:tc>
+                  <a:txBody>
+                    <a:bodyPr/>
+                    <a:lstStyle/>
+                    <a:p>
+                      <a:pPr marL="0" marR="0" indent="0" algn="l" defTabSz="914400" rtl="0" eaLnBrk="1" fontAlgn="auto" latinLnBrk="0" hangingPunct="1">
+                        <a:lnSpc>
+                          <a:spcPct val="100000"/>
+                        </a:lnSpc>
+                        <a:spcBef>
+                          <a:spcPts val="0"/>
+                        </a:spcBef>
+                        <a:spcAft>
+                          <a:spcPts val="0"/>
+                        </a:spcAft>
+                        <a:buClrTx/>
+                        <a:buSzTx/>
+                        <a:buFontTx/>
+                        <a:buNone/>
+                        <a:tabLst/>
+                        <a:defRPr/>
+                      </a:pPr>
+                      <a:r>
+                        <a:rPr lang="fr-FR" sz="1600" kern="1200" dirty="0" smtClean="0">
+                          <a:solidFill>
+                            <a:schemeClr val="dk1"/>
+                          </a:solidFill>
+                          <a:latin typeface="+mn-lt"/>
+                          <a:ea typeface="+mn-ea"/>
+                          <a:cs typeface="+mn-cs"/>
+                        </a:rPr>
+                        <a:t>Procédure T-SQL</a:t>
+                      </a:r>
+                      <a:r>
+                        <a:rPr lang="fr-FR" sz="1600" kern="1200" baseline="0" dirty="0" smtClean="0">
+                          <a:solidFill>
+                            <a:schemeClr val="dk1"/>
+                          </a:solidFill>
+                          <a:latin typeface="+mn-lt"/>
+                          <a:ea typeface="+mn-ea"/>
+                          <a:cs typeface="+mn-cs"/>
+                        </a:rPr>
+                        <a:t> qui va créer la structure attendue</a:t>
+                      </a:r>
+                      <a:endParaRPr lang="fr-FR" sz="1600" kern="1200" dirty="0" smtClean="0">
+                        <a:solidFill>
+                          <a:schemeClr val="dk1"/>
+                        </a:solidFill>
+                        <a:latin typeface="+mn-lt"/>
+                        <a:ea typeface="+mn-ea"/>
+                        <a:cs typeface="+mn-cs"/>
+                      </a:endParaRPr>
+                    </a:p>
+                  </a:txBody>
+                  <a:tcPr/>
+                </a:tc>
+              </a:tr>
+              <a:tr h="370840">
+                <a:tc>
+                  <a:txBody>
+                    <a:bodyPr/>
+                    <a:lstStyle/>
+                    <a:p>
+                      <a:pPr algn="ctr"/>
+                      <a:r>
+                        <a:rPr lang="fr-FR" b="1" dirty="0" smtClean="0"/>
+                        <a:t>Clients</a:t>
+                      </a:r>
+                      <a:endParaRPr lang="fr-FR" b="1" dirty="0"/>
+                    </a:p>
+                  </a:txBody>
+                  <a:tcPr/>
+                </a:tc>
+                <a:tc>
+                  <a:txBody>
+                    <a:bodyPr/>
+                    <a:lstStyle/>
+                    <a:p>
+                      <a:pPr algn="ctr"/>
+                      <a:r>
+                        <a:rPr lang="fr-FR" baseline="0" dirty="0" smtClean="0"/>
+                        <a:t>T-SQL</a:t>
+                      </a:r>
+                      <a:endParaRPr lang="fr-FR" dirty="0"/>
+                    </a:p>
+                  </a:txBody>
+                  <a:tcPr/>
+                </a:tc>
+                <a:tc>
+                  <a:txBody>
+                    <a:bodyPr/>
+                    <a:lstStyle/>
+                    <a:p>
+                      <a:pPr marL="0" marR="0" indent="0" algn="l" defTabSz="914400" rtl="0" eaLnBrk="1" fontAlgn="auto" latinLnBrk="0" hangingPunct="1">
+                        <a:lnSpc>
+                          <a:spcPct val="100000"/>
+                        </a:lnSpc>
+                        <a:spcBef>
+                          <a:spcPts val="0"/>
+                        </a:spcBef>
+                        <a:spcAft>
+                          <a:spcPts val="0"/>
+                        </a:spcAft>
+                        <a:buClrTx/>
+                        <a:buSzTx/>
+                        <a:buFontTx/>
+                        <a:buNone/>
+                        <a:tabLst/>
+                        <a:defRPr/>
+                      </a:pPr>
+                      <a:r>
+                        <a:rPr lang="fr-FR" sz="1600" kern="1200" dirty="0" smtClean="0">
+                          <a:solidFill>
+                            <a:schemeClr val="dk1"/>
+                          </a:solidFill>
+                          <a:latin typeface="+mn-lt"/>
+                          <a:ea typeface="+mn-ea"/>
+                          <a:cs typeface="+mn-cs"/>
+                        </a:rPr>
+                        <a:t>Procédure T-SQL</a:t>
+                      </a:r>
+                      <a:r>
+                        <a:rPr lang="fr-FR" sz="1600" kern="1200" baseline="0" dirty="0" smtClean="0">
+                          <a:solidFill>
+                            <a:schemeClr val="dk1"/>
+                          </a:solidFill>
+                          <a:latin typeface="+mn-lt"/>
+                          <a:ea typeface="+mn-ea"/>
+                          <a:cs typeface="+mn-cs"/>
+                        </a:rPr>
+                        <a:t> qui va créer aléatoirement des clients</a:t>
+                      </a:r>
+                      <a:endParaRPr lang="fr-FR" sz="1600" kern="1200" dirty="0" smtClean="0">
+                        <a:solidFill>
+                          <a:schemeClr val="dk1"/>
+                        </a:solidFill>
+                        <a:latin typeface="+mn-lt"/>
+                        <a:ea typeface="+mn-ea"/>
+                        <a:cs typeface="+mn-cs"/>
+                      </a:endParaRPr>
+                    </a:p>
+                  </a:txBody>
+                  <a:tcPr/>
+                </a:tc>
+              </a:tr>
+              <a:tr h="370840">
+                <a:tc>
+                  <a:txBody>
+                    <a:bodyPr/>
+                    <a:lstStyle/>
+                    <a:p>
+                      <a:pPr algn="ctr"/>
+                      <a:r>
+                        <a:rPr lang="fr-FR" b="1" dirty="0" smtClean="0"/>
+                        <a:t>Lieux</a:t>
+                      </a:r>
+                      <a:endParaRPr lang="fr-FR" b="1" dirty="0"/>
+                    </a:p>
+                  </a:txBody>
+                  <a:tcPr/>
+                </a:tc>
+                <a:tc>
+                  <a:txBody>
+                    <a:bodyPr/>
+                    <a:lstStyle/>
+                    <a:p>
+                      <a:pPr algn="ctr"/>
+                      <a:r>
+                        <a:rPr lang="fr-FR" dirty="0" smtClean="0"/>
+                        <a:t>.T-SQL</a:t>
+                      </a:r>
+                      <a:endParaRPr lang="fr-FR" dirty="0"/>
+                    </a:p>
+                  </a:txBody>
+                  <a:tcPr/>
+                </a:tc>
+                <a:tc>
+                  <a:txBody>
+                    <a:bodyPr/>
+                    <a:lstStyle/>
+                    <a:p>
+                      <a:pPr marL="0" marR="0" indent="0" algn="l" defTabSz="914400" rtl="0" eaLnBrk="1" fontAlgn="auto" latinLnBrk="0" hangingPunct="1">
+                        <a:lnSpc>
+                          <a:spcPct val="100000"/>
+                        </a:lnSpc>
+                        <a:spcBef>
+                          <a:spcPts val="0"/>
+                        </a:spcBef>
+                        <a:spcAft>
+                          <a:spcPts val="0"/>
+                        </a:spcAft>
+                        <a:buClrTx/>
+                        <a:buSzTx/>
+                        <a:buFontTx/>
+                        <a:buNone/>
+                        <a:tabLst/>
+                        <a:defRPr/>
+                      </a:pPr>
+                      <a:r>
+                        <a:rPr lang="fr-FR" sz="1600" kern="1200" dirty="0" smtClean="0">
+                          <a:solidFill>
+                            <a:schemeClr val="dk1"/>
+                          </a:solidFill>
+                          <a:latin typeface="+mn-lt"/>
+                          <a:ea typeface="+mn-ea"/>
+                          <a:cs typeface="+mn-cs"/>
+                        </a:rPr>
+                        <a:t>Procédure T-SQL</a:t>
+                      </a:r>
+                      <a:r>
+                        <a:rPr lang="fr-FR" sz="1600" kern="1200" baseline="0" dirty="0" smtClean="0">
+                          <a:solidFill>
+                            <a:schemeClr val="dk1"/>
+                          </a:solidFill>
+                          <a:latin typeface="+mn-lt"/>
+                          <a:ea typeface="+mn-ea"/>
+                          <a:cs typeface="+mn-cs"/>
+                        </a:rPr>
+                        <a:t> qui va créer aléatoirement des lieux</a:t>
+                      </a:r>
+                      <a:endParaRPr lang="fr-FR" sz="1600" kern="1200" dirty="0" smtClean="0">
+                        <a:solidFill>
+                          <a:schemeClr val="dk1"/>
+                        </a:solidFill>
+                        <a:latin typeface="+mn-lt"/>
+                        <a:ea typeface="+mn-ea"/>
+                        <a:cs typeface="+mn-cs"/>
+                      </a:endParaRPr>
+                    </a:p>
+                  </a:txBody>
+                  <a:tcPr/>
+                </a:tc>
+              </a:tr>
+              <a:tr h="370840">
+                <a:tc>
+                  <a:txBody>
+                    <a:bodyPr/>
+                    <a:lstStyle/>
+                    <a:p>
+                      <a:pPr algn="ctr"/>
+                      <a:r>
+                        <a:rPr lang="fr-FR" b="1" dirty="0" smtClean="0"/>
+                        <a:t>Villes</a:t>
+                      </a:r>
+                      <a:endParaRPr lang="fr-FR" b="1" dirty="0"/>
+                    </a:p>
+                  </a:txBody>
+                  <a:tcPr/>
+                </a:tc>
+                <a:tc>
+                  <a:txBody>
+                    <a:bodyPr/>
+                    <a:lstStyle/>
+                    <a:p>
+                      <a:pPr algn="ctr"/>
+                      <a:r>
+                        <a:rPr lang="fr-FR" dirty="0" smtClean="0"/>
+                        <a:t>.CSV</a:t>
+                      </a:r>
+                      <a:endParaRPr lang="fr-FR" dirty="0"/>
+                    </a:p>
+                  </a:txBody>
+                  <a:tcPr/>
+                </a:tc>
+                <a:tc>
+                  <a:txBody>
+                    <a:bodyPr/>
+                    <a:lstStyle/>
+                    <a:p>
+                      <a:pPr marL="0" marR="0" indent="0" algn="l" defTabSz="914400" rtl="0" eaLnBrk="1" fontAlgn="auto" latinLnBrk="0" hangingPunct="1">
+                        <a:lnSpc>
+                          <a:spcPct val="100000"/>
+                        </a:lnSpc>
+                        <a:spcBef>
+                          <a:spcPts val="0"/>
+                        </a:spcBef>
+                        <a:spcAft>
+                          <a:spcPts val="0"/>
+                        </a:spcAft>
+                        <a:buClrTx/>
+                        <a:buSzTx/>
+                        <a:buFontTx/>
+                        <a:buNone/>
+                        <a:tabLst/>
+                        <a:defRPr/>
+                      </a:pPr>
+                      <a:r>
+                        <a:rPr lang="fr-FR" sz="1600" dirty="0" smtClean="0"/>
+                        <a:t>Fichier TXT de l’INSEE existant à charger en table</a:t>
+                      </a:r>
+                    </a:p>
+                    <a:p>
+                      <a:pPr marL="0" marR="0" indent="0" algn="l" defTabSz="914400" rtl="0" eaLnBrk="1" fontAlgn="auto" latinLnBrk="0" hangingPunct="1">
+                        <a:lnSpc>
+                          <a:spcPct val="100000"/>
+                        </a:lnSpc>
+                        <a:spcBef>
+                          <a:spcPts val="0"/>
+                        </a:spcBef>
+                        <a:spcAft>
+                          <a:spcPts val="0"/>
+                        </a:spcAft>
+                        <a:buClrTx/>
+                        <a:buSzTx/>
+                        <a:buFontTx/>
+                        <a:buNone/>
+                        <a:tabLst/>
+                        <a:defRPr/>
+                      </a:pPr>
+                      <a:r>
+                        <a:rPr lang="fr-FR" sz="1600" dirty="0" smtClean="0">
+                          <a:hlinkClick r:id="rId4"/>
+                        </a:rPr>
+                        <a:t>http://www.insee.fr/fr/methodes/nomenclatures/cog/telechargement.asp</a:t>
+                      </a:r>
+                      <a:endParaRPr lang="fr-FR" sz="1600" dirty="0" smtClean="0"/>
+                    </a:p>
+                  </a:txBody>
+                  <a:tcPr/>
+                </a:tc>
+              </a:tr>
+            </a:tbl>
+          </a:graphicData>
+        </a:graphic>
+      </p:graphicFrame>
+      <p:sp>
+        <p:nvSpPr>
+          <p:cNvPr id="11" name="ZoneTexte 10"/>
+          <p:cNvSpPr txBox="1"/>
+          <p:nvPr/>
+        </p:nvSpPr>
+        <p:spPr>
+          <a:xfrm>
+            <a:off x="539552" y="5949280"/>
+            <a:ext cx="8208912" cy="307777"/>
+          </a:xfrm>
+          <a:prstGeom prst="rect">
+            <a:avLst/>
+          </a:prstGeom>
+        </p:spPr>
+        <p:style>
+          <a:lnRef idx="1">
+            <a:schemeClr val="accent5"/>
+          </a:lnRef>
+          <a:fillRef idx="2">
+            <a:schemeClr val="accent5"/>
+          </a:fillRef>
+          <a:effectRef idx="1">
+            <a:schemeClr val="accent5"/>
+          </a:effectRef>
+          <a:fontRef idx="minor">
+            <a:schemeClr val="dk1"/>
+          </a:fontRef>
+        </p:style>
+        <p:txBody>
+          <a:bodyPr wrap="square" rtlCol="0">
+            <a:spAutoFit/>
+          </a:bodyPr>
+          <a:lstStyle/>
+          <a:p>
+            <a:r>
+              <a:rPr lang="fr-FR" sz="1400" dirty="0"/>
+              <a:t>Les fichiers de ressources sont disponibles sous Git Hub dans </a:t>
+            </a:r>
+            <a:r>
+              <a:rPr lang="fr-FR" sz="1400" b="1" dirty="0" smtClean="0"/>
+              <a:t>/SOURCES/BASE_DWH/DONNEES </a:t>
+            </a:r>
+            <a:endParaRPr lang="fr-FR" sz="1400" b="1" dirty="0"/>
+          </a:p>
+        </p:txBody>
+      </p:sp>
+    </p:spTree>
+    <p:extLst>
+      <p:ext uri="{BB962C8B-B14F-4D97-AF65-F5344CB8AC3E}">
+        <p14:creationId xmlns:p14="http://schemas.microsoft.com/office/powerpoint/2010/main" val="3061804936"/>
+      </p:ext>
+    </p:extLst>
+  </p:cSld>
+  <p:clrMapOvr>
+    <a:masterClrMapping/>
+  </p:clrMapOvr>
+  <p:timing>
+    <p:tnLst>
+      <p:par>
+        <p:cTn id="1" dur="indefinite" restart="never" nodeType="tmRoot"/>
+      </p:par>
+    </p:tnLst>
+  </p:timing>
+</p:sld>
+</file>
+
+<file path=ppt/slides/slide8.xml><?xml version="1.0" encoding="utf-8"?>
+<p:sld xmlns:a="http://schemas.openxmlformats.org/drawingml/2006/main" xmlns:r="http://schemas.openxmlformats.org/officeDocument/2006/relationships" xmlns:p="http://schemas.openxmlformats.org/presentationml/2006/main">
+  <p:cSld>
+    <p:spTree>
+      <p:nvGrpSpPr>
+        <p:cNvPr id="1" name=""/>
+        <p:cNvGrpSpPr/>
+        <p:nvPr/>
+      </p:nvGrpSpPr>
+      <p:grpSpPr>
+        <a:xfrm>
+          <a:off x="0" y="0"/>
+          <a:ext cx="0" cy="0"/>
+          <a:chOff x="0" y="0"/>
+          <a:chExt cx="0" cy="0"/>
+        </a:xfrm>
+      </p:grpSpPr>
+      <p:pic>
+        <p:nvPicPr>
+          <p:cNvPr id="9" name="Picture 61"/>
+          <p:cNvPicPr/>
+          <p:nvPr/>
+        </p:nvPicPr>
+        <p:blipFill>
+          <a:blip r:embed="rId3" cstate="print">
+            <a:extLst>
+              <a:ext uri="{28A0092B-C50C-407E-A947-70E740481C1C}">
+                <a14:useLocalDpi xmlns:a14="http://schemas.microsoft.com/office/drawing/2010/main" val="0"/>
+              </a:ext>
+            </a:extLst>
+          </a:blip>
+          <a:stretch>
+            <a:fillRect/>
+          </a:stretch>
+        </p:blipFill>
+        <p:spPr>
+          <a:xfrm>
+            <a:off x="6876257" y="232514"/>
+            <a:ext cx="1978376" cy="892230"/>
+          </a:xfrm>
+          <a:prstGeom prst="rect">
+            <a:avLst/>
+          </a:prstGeom>
+        </p:spPr>
+      </p:pic>
+      <p:sp>
+        <p:nvSpPr>
+          <p:cNvPr id="10" name="ZoneTexte 9"/>
+          <p:cNvSpPr txBox="1"/>
+          <p:nvPr/>
+        </p:nvSpPr>
+        <p:spPr>
+          <a:xfrm>
+            <a:off x="107504" y="107340"/>
+            <a:ext cx="2386231" cy="369332"/>
+          </a:xfrm>
+          <a:prstGeom prst="rect">
+            <a:avLst/>
+          </a:prstGeom>
+        </p:spPr>
+        <p:style>
+          <a:lnRef idx="0">
+            <a:schemeClr val="accent1"/>
+          </a:lnRef>
+          <a:fillRef idx="3">
+            <a:schemeClr val="accent1"/>
+          </a:fillRef>
+          <a:effectRef idx="3">
+            <a:schemeClr val="accent1"/>
+          </a:effectRef>
+          <a:fontRef idx="minor">
+            <a:schemeClr val="lt1"/>
+          </a:fontRef>
+        </p:style>
+        <p:txBody>
+          <a:bodyPr wrap="none" rtlCol="0">
+            <a:spAutoFit/>
+          </a:bodyPr>
+          <a:lstStyle/>
+          <a:p>
+            <a:r>
+              <a:rPr lang="fr-FR" dirty="0" smtClean="0"/>
+              <a:t>Construction de la base</a:t>
+            </a:r>
+            <a:endParaRPr lang="fr-FR" dirty="0"/>
+          </a:p>
+        </p:txBody>
+      </p:sp>
+      <p:sp>
+        <p:nvSpPr>
+          <p:cNvPr id="12" name="Rectangle 11"/>
+          <p:cNvSpPr/>
+          <p:nvPr/>
+        </p:nvSpPr>
+        <p:spPr>
+          <a:xfrm>
+            <a:off x="755576" y="678629"/>
+            <a:ext cx="2273251" cy="369332"/>
+          </a:xfrm>
+          <a:prstGeom prst="rect">
+            <a:avLst/>
+          </a:prstGeom>
+        </p:spPr>
+        <p:txBody>
+          <a:bodyPr wrap="none">
+            <a:spAutoFit/>
+          </a:bodyPr>
+          <a:lstStyle/>
+          <a:p>
+            <a:pPr>
+              <a:spcBef>
+                <a:spcPts val="600"/>
+              </a:spcBef>
+              <a:spcAft>
+                <a:spcPts val="600"/>
+              </a:spcAft>
+            </a:pPr>
+            <a:r>
+              <a:rPr lang="fr-FR" b="1" dirty="0" smtClean="0"/>
+              <a:t>Remplissage du DWH</a:t>
+            </a:r>
+          </a:p>
+        </p:txBody>
+      </p:sp>
+      <p:graphicFrame>
+        <p:nvGraphicFramePr>
+          <p:cNvPr id="8" name="Tableau 7"/>
+          <p:cNvGraphicFramePr>
+            <a:graphicFrameLocks noGrp="1"/>
+          </p:cNvGraphicFramePr>
+          <p:nvPr>
+            <p:extLst>
+              <p:ext uri="{D42A27DB-BD31-4B8C-83A1-F6EECF244321}">
+                <p14:modId xmlns:p14="http://schemas.microsoft.com/office/powerpoint/2010/main" val="3441312500"/>
+              </p:ext>
+            </p:extLst>
+          </p:nvPr>
+        </p:nvGraphicFramePr>
+        <p:xfrm>
+          <a:off x="899592" y="1340768"/>
+          <a:ext cx="6326846" cy="2966720"/>
+        </p:xfrm>
+        <a:graphic>
+          <a:graphicData uri="http://schemas.openxmlformats.org/drawingml/2006/table">
+            <a:tbl>
+              <a:tblPr firstRow="1" bandRow="1">
+                <a:tableStyleId>{5C22544A-7EE6-4342-B048-85BDC9FD1C3A}</a:tableStyleId>
+              </a:tblPr>
+              <a:tblGrid>
+                <a:gridCol w="1277302"/>
+                <a:gridCol w="1107618"/>
+                <a:gridCol w="832172"/>
+                <a:gridCol w="983476"/>
+                <a:gridCol w="1059128"/>
+                <a:gridCol w="1067150"/>
+              </a:tblGrid>
+              <a:tr h="370840">
+                <a:tc>
+                  <a:txBody>
+                    <a:bodyPr/>
+                    <a:lstStyle/>
+                    <a:p>
+                      <a:r>
+                        <a:rPr lang="fr-FR" sz="1600" dirty="0" smtClean="0"/>
+                        <a:t>Table</a:t>
+                      </a:r>
+                      <a:endParaRPr lang="fr-FR" sz="1600" dirty="0"/>
+                    </a:p>
+                  </a:txBody>
+                  <a:tcPr/>
+                </a:tc>
+                <a:tc>
+                  <a:txBody>
+                    <a:bodyPr/>
+                    <a:lstStyle/>
+                    <a:p>
+                      <a:pPr algn="ctr"/>
+                      <a:r>
+                        <a:rPr lang="fr-FR" sz="1600" dirty="0" smtClean="0"/>
+                        <a:t>Thomas ?</a:t>
+                      </a:r>
+                      <a:endParaRPr lang="fr-FR" sz="1600" dirty="0"/>
+                    </a:p>
+                  </a:txBody>
+                  <a:tcPr/>
+                </a:tc>
+                <a:tc>
+                  <a:txBody>
+                    <a:bodyPr/>
+                    <a:lstStyle/>
+                    <a:p>
+                      <a:pPr algn="ctr"/>
+                      <a:r>
+                        <a:rPr lang="fr-FR" sz="1600" dirty="0" smtClean="0"/>
+                        <a:t>Brice</a:t>
+                      </a:r>
+                      <a:r>
+                        <a:rPr lang="fr-FR" sz="1600" baseline="0" dirty="0" smtClean="0"/>
+                        <a:t> ?</a:t>
+                      </a:r>
+                      <a:endParaRPr lang="fr-FR" sz="1600" dirty="0"/>
+                    </a:p>
+                  </a:txBody>
+                  <a:tcPr/>
+                </a:tc>
+                <a:tc>
+                  <a:txBody>
+                    <a:bodyPr/>
+                    <a:lstStyle/>
+                    <a:p>
+                      <a:pPr algn="ctr"/>
+                      <a:r>
+                        <a:rPr lang="fr-FR" sz="1600" dirty="0" smtClean="0"/>
+                        <a:t>Olivier ?</a:t>
+                      </a:r>
+                      <a:endParaRPr lang="fr-FR" sz="1600" dirty="0"/>
+                    </a:p>
+                  </a:txBody>
+                  <a:tcPr/>
+                </a:tc>
+                <a:tc>
+                  <a:txBody>
+                    <a:bodyPr/>
+                    <a:lstStyle/>
+                    <a:p>
+                      <a:pPr algn="ctr"/>
+                      <a:r>
+                        <a:rPr lang="fr-FR" sz="1600" dirty="0" smtClean="0"/>
+                        <a:t>Bernard ?</a:t>
+                      </a:r>
+                      <a:endParaRPr lang="fr-FR" sz="1600" dirty="0"/>
+                    </a:p>
+                  </a:txBody>
+                  <a:tcPr/>
+                </a:tc>
+                <a:tc>
+                  <a:txBody>
+                    <a:bodyPr/>
+                    <a:lstStyle/>
+                    <a:p>
+                      <a:pPr algn="ctr"/>
+                      <a:r>
+                        <a:rPr lang="fr-FR" sz="1600" dirty="0" smtClean="0"/>
+                        <a:t>Cédric ?</a:t>
+                      </a:r>
+                      <a:endParaRPr lang="fr-FR" sz="1600" dirty="0"/>
+                    </a:p>
+                  </a:txBody>
+                  <a:tcPr/>
+                </a:tc>
+              </a:tr>
+              <a:tr h="370840">
+                <a:tc>
+                  <a:txBody>
+                    <a:bodyPr/>
+                    <a:lstStyle/>
+                    <a:p>
+                      <a:pPr algn="ctr"/>
+                      <a:r>
+                        <a:rPr lang="fr-FR" b="1" dirty="0" smtClean="0"/>
+                        <a:t>Ventes</a:t>
+                      </a:r>
+                      <a:endParaRPr lang="fr-FR" b="1" dirty="0"/>
+                    </a:p>
+                  </a:txBody>
+                  <a:tcPr/>
+                </a:tc>
+                <a:tc>
+                  <a:txBody>
+                    <a:bodyPr/>
+                    <a:lstStyle/>
+                    <a:p>
+                      <a:pPr algn="ctr"/>
+                      <a:endParaRPr lang="fr-FR" sz="1800" kern="1200" dirty="0">
+                        <a:solidFill>
+                          <a:schemeClr val="dk1"/>
+                        </a:solidFill>
+                        <a:latin typeface="+mn-lt"/>
+                        <a:ea typeface="+mn-ea"/>
+                        <a:cs typeface="+mn-cs"/>
+                      </a:endParaRPr>
+                    </a:p>
+                  </a:txBody>
+                  <a:tcPr/>
+                </a:tc>
+                <a:tc>
+                  <a:txBody>
+                    <a:bodyPr/>
+                    <a:lstStyle/>
+                    <a:p>
+                      <a:pPr algn="ctr"/>
+                      <a:endParaRPr lang="fr-FR" sz="1800" kern="1200" dirty="0">
+                        <a:solidFill>
+                          <a:schemeClr val="dk1"/>
+                        </a:solidFill>
+                        <a:latin typeface="+mn-lt"/>
+                        <a:ea typeface="+mn-ea"/>
+                        <a:cs typeface="+mn-cs"/>
+                      </a:endParaRPr>
+                    </a:p>
+                  </a:txBody>
+                  <a:tcPr/>
+                </a:tc>
+                <a:tc>
+                  <a:txBody>
+                    <a:bodyPr/>
+                    <a:lstStyle/>
+                    <a:p>
+                      <a:pPr algn="ctr"/>
+                      <a:r>
+                        <a:rPr lang="fr-FR" sz="1800" kern="1200" dirty="0" smtClean="0"/>
+                        <a:t>Y</a:t>
+                      </a:r>
+                      <a:endParaRPr lang="fr-FR" sz="1800" kern="1200" dirty="0">
+                        <a:solidFill>
+                          <a:schemeClr val="dk1"/>
+                        </a:solidFill>
+                        <a:latin typeface="+mn-lt"/>
+                        <a:ea typeface="+mn-ea"/>
+                        <a:cs typeface="+mn-cs"/>
+                      </a:endParaRPr>
+                    </a:p>
+                  </a:txBody>
+                  <a:tcPr/>
+                </a:tc>
+                <a:tc>
+                  <a:txBody>
+                    <a:bodyPr/>
+                    <a:lstStyle/>
+                    <a:p>
+                      <a:pPr algn="ctr"/>
+                      <a:endParaRPr lang="fr-FR" sz="1800" kern="1200" dirty="0">
+                        <a:solidFill>
+                          <a:schemeClr val="dk1"/>
+                        </a:solidFill>
+                        <a:latin typeface="+mn-lt"/>
+                        <a:ea typeface="+mn-ea"/>
+                        <a:cs typeface="+mn-cs"/>
+                      </a:endParaRPr>
+                    </a:p>
+                  </a:txBody>
+                  <a:tcPr/>
+                </a:tc>
+                <a:tc>
+                  <a:txBody>
+                    <a:bodyPr/>
+                    <a:lstStyle/>
+                    <a:p>
+                      <a:pPr algn="ctr"/>
+                      <a:endParaRPr lang="fr-FR" sz="1800" kern="1200" dirty="0">
+                        <a:solidFill>
+                          <a:schemeClr val="dk1"/>
+                        </a:solidFill>
+                        <a:latin typeface="+mn-lt"/>
+                        <a:ea typeface="+mn-ea"/>
+                        <a:cs typeface="+mn-cs"/>
+                      </a:endParaRPr>
+                    </a:p>
+                  </a:txBody>
+                  <a:tcPr/>
+                </a:tc>
+              </a:tr>
+              <a:tr h="370840">
+                <a:tc>
+                  <a:txBody>
+                    <a:bodyPr/>
+                    <a:lstStyle/>
+                    <a:p>
+                      <a:pPr algn="ctr"/>
+                      <a:r>
+                        <a:rPr lang="fr-FR" b="1" dirty="0" smtClean="0"/>
+                        <a:t>Catégories</a:t>
+                      </a:r>
+                    </a:p>
+                  </a:txBody>
+                  <a:tcPr/>
+                </a:tc>
+                <a:tc>
+                  <a:txBody>
+                    <a:bodyPr/>
+                    <a:lstStyle/>
+                    <a:p>
+                      <a:pPr algn="ctr"/>
+                      <a:endParaRPr lang="fr-FR" dirty="0"/>
+                    </a:p>
+                  </a:txBody>
+                  <a:tcPr>
+                    <a:solidFill>
+                      <a:schemeClr val="accent6">
+                        <a:lumMod val="40000"/>
+                        <a:lumOff val="60000"/>
+                      </a:schemeClr>
+                    </a:solidFill>
+                  </a:tcPr>
+                </a:tc>
+                <a:tc>
+                  <a:txBody>
+                    <a:bodyPr/>
+                    <a:lstStyle/>
+                    <a:p>
+                      <a:pPr algn="ctr"/>
+                      <a:r>
+                        <a:rPr lang="fr-FR" dirty="0" smtClean="0"/>
+                        <a:t>Y</a:t>
+                      </a:r>
+                      <a:endParaRPr lang="fr-FR" dirty="0"/>
+                    </a:p>
+                  </a:txBody>
+                  <a:tcPr>
+                    <a:solidFill>
+                      <a:schemeClr val="accent6">
+                        <a:lumMod val="40000"/>
+                        <a:lumOff val="60000"/>
+                      </a:schemeClr>
+                    </a:solidFill>
+                  </a:tcPr>
+                </a:tc>
+                <a:tc>
+                  <a:txBody>
+                    <a:bodyPr/>
+                    <a:lstStyle/>
+                    <a:p>
+                      <a:pPr algn="ctr"/>
+                      <a:endParaRPr lang="fr-FR" dirty="0"/>
+                    </a:p>
+                  </a:txBody>
+                  <a:tcPr>
+                    <a:solidFill>
+                      <a:schemeClr val="accent6">
+                        <a:lumMod val="40000"/>
+                        <a:lumOff val="60000"/>
+                      </a:schemeClr>
+                    </a:solidFill>
+                  </a:tcPr>
+                </a:tc>
+                <a:tc>
+                  <a:txBody>
+                    <a:bodyPr/>
+                    <a:lstStyle/>
+                    <a:p>
+                      <a:pPr algn="ctr"/>
+                      <a:endParaRPr lang="fr-FR" dirty="0"/>
+                    </a:p>
+                  </a:txBody>
+                  <a:tcPr>
+                    <a:solidFill>
+                      <a:schemeClr val="accent6">
+                        <a:lumMod val="40000"/>
+                        <a:lumOff val="60000"/>
+                      </a:schemeClr>
+                    </a:solidFill>
+                  </a:tcPr>
+                </a:tc>
+                <a:tc>
+                  <a:txBody>
+                    <a:bodyPr/>
+                    <a:lstStyle/>
+                    <a:p>
+                      <a:pPr algn="ctr"/>
+                      <a:endParaRPr lang="fr-FR" dirty="0"/>
+                    </a:p>
+                  </a:txBody>
+                  <a:tcPr>
+                    <a:solidFill>
+                      <a:schemeClr val="accent6">
+                        <a:lumMod val="40000"/>
+                        <a:lumOff val="60000"/>
+                      </a:schemeClr>
+                    </a:solidFill>
+                  </a:tcPr>
+                </a:tc>
+              </a:tr>
+              <a:tr h="370840">
+                <a:tc>
+                  <a:txBody>
+                    <a:bodyPr/>
+                    <a:lstStyle/>
+                    <a:p>
+                      <a:pPr algn="ctr"/>
+                      <a:r>
+                        <a:rPr lang="fr-FR" b="1" dirty="0" smtClean="0"/>
+                        <a:t>Produits</a:t>
+                      </a:r>
+                      <a:endParaRPr lang="fr-FR" b="1" dirty="0"/>
+                    </a:p>
+                  </a:txBody>
+                  <a:tcPr/>
+                </a:tc>
+                <a:tc>
+                  <a:txBody>
+                    <a:bodyPr/>
+                    <a:lstStyle/>
+                    <a:p>
+                      <a:pPr algn="ctr"/>
+                      <a:r>
+                        <a:rPr lang="fr-FR" dirty="0" smtClean="0"/>
+                        <a:t>Y</a:t>
+                      </a:r>
+                      <a:endParaRPr lang="fr-FR" dirty="0"/>
+                    </a:p>
+                  </a:txBody>
+                  <a:tcPr>
+                    <a:solidFill>
+                      <a:schemeClr val="accent6">
+                        <a:lumMod val="40000"/>
+                        <a:lumOff val="60000"/>
+                      </a:schemeClr>
+                    </a:solidFill>
+                  </a:tcPr>
+                </a:tc>
+                <a:tc>
+                  <a:txBody>
+                    <a:bodyPr/>
+                    <a:lstStyle/>
+                    <a:p>
+                      <a:pPr algn="ctr"/>
+                      <a:endParaRPr lang="fr-FR" dirty="0"/>
+                    </a:p>
+                  </a:txBody>
+                  <a:tcPr>
+                    <a:solidFill>
+                      <a:schemeClr val="accent6">
+                        <a:lumMod val="40000"/>
+                        <a:lumOff val="60000"/>
+                      </a:schemeClr>
+                    </a:solidFill>
+                  </a:tcPr>
+                </a:tc>
+                <a:tc>
+                  <a:txBody>
+                    <a:bodyPr/>
+                    <a:lstStyle/>
+                    <a:p>
+                      <a:pPr algn="ctr"/>
+                      <a:endParaRPr lang="fr-FR" dirty="0"/>
+                    </a:p>
+                  </a:txBody>
+                  <a:tcPr>
+                    <a:solidFill>
+                      <a:schemeClr val="accent6">
+                        <a:lumMod val="40000"/>
+                        <a:lumOff val="60000"/>
+                      </a:schemeClr>
+                    </a:solidFill>
+                  </a:tcPr>
+                </a:tc>
+                <a:tc>
+                  <a:txBody>
+                    <a:bodyPr/>
+                    <a:lstStyle/>
+                    <a:p>
+                      <a:pPr algn="ctr"/>
+                      <a:endParaRPr lang="fr-FR" dirty="0"/>
+                    </a:p>
+                  </a:txBody>
+                  <a:tcPr>
+                    <a:solidFill>
+                      <a:schemeClr val="accent6">
+                        <a:lumMod val="40000"/>
+                        <a:lumOff val="60000"/>
+                      </a:schemeClr>
+                    </a:solidFill>
+                  </a:tcPr>
+                </a:tc>
+                <a:tc>
+                  <a:txBody>
+                    <a:bodyPr/>
+                    <a:lstStyle/>
+                    <a:p>
+                      <a:pPr algn="ctr"/>
+                      <a:endParaRPr lang="fr-FR" dirty="0"/>
+                    </a:p>
+                  </a:txBody>
+                  <a:tcPr>
+                    <a:solidFill>
+                      <a:schemeClr val="accent6">
+                        <a:lumMod val="40000"/>
+                        <a:lumOff val="60000"/>
+                      </a:schemeClr>
+                    </a:solidFill>
+                  </a:tcPr>
+                </a:tc>
+              </a:tr>
+              <a:tr h="370840">
+                <a:tc>
+                  <a:txBody>
+                    <a:bodyPr/>
+                    <a:lstStyle/>
+                    <a:p>
+                      <a:pPr algn="ctr"/>
+                      <a:r>
+                        <a:rPr lang="fr-FR" b="1" dirty="0" smtClean="0"/>
+                        <a:t>Temps</a:t>
+                      </a:r>
+                      <a:endParaRPr lang="fr-FR" b="1" dirty="0"/>
+                    </a:p>
+                  </a:txBody>
+                  <a:tcPr/>
+                </a:tc>
+                <a:tc>
+                  <a:txBody>
+                    <a:bodyPr/>
+                    <a:lstStyle/>
+                    <a:p>
+                      <a:pPr algn="ctr"/>
+                      <a:endParaRPr lang="fr-FR" dirty="0"/>
+                    </a:p>
+                  </a:txBody>
+                  <a:tcPr/>
+                </a:tc>
+                <a:tc>
+                  <a:txBody>
+                    <a:bodyPr/>
+                    <a:lstStyle/>
+                    <a:p>
+                      <a:pPr algn="ctr"/>
+                      <a:endParaRPr lang="fr-FR" dirty="0"/>
+                    </a:p>
+                  </a:txBody>
+                  <a:tcPr/>
+                </a:tc>
+                <a:tc>
+                  <a:txBody>
+                    <a:bodyPr/>
+                    <a:lstStyle/>
+                    <a:p>
+                      <a:pPr algn="ctr"/>
+                      <a:r>
+                        <a:rPr lang="fr-FR" dirty="0" smtClean="0"/>
+                        <a:t>Y</a:t>
+                      </a:r>
+                      <a:endParaRPr lang="fr-FR" dirty="0"/>
+                    </a:p>
+                  </a:txBody>
+                  <a:tcPr/>
+                </a:tc>
+                <a:tc>
+                  <a:txBody>
+                    <a:bodyPr/>
+                    <a:lstStyle/>
+                    <a:p>
+                      <a:pPr algn="ctr"/>
+                      <a:endParaRPr lang="fr-FR" dirty="0"/>
+                    </a:p>
+                  </a:txBody>
+                  <a:tcPr/>
+                </a:tc>
+                <a:tc>
+                  <a:txBody>
+                    <a:bodyPr/>
+                    <a:lstStyle/>
+                    <a:p>
+                      <a:pPr algn="ctr"/>
+                      <a:endParaRPr lang="fr-FR" dirty="0"/>
+                    </a:p>
+                  </a:txBody>
+                  <a:tcPr/>
+                </a:tc>
+              </a:tr>
+              <a:tr h="370840">
+                <a:tc>
+                  <a:txBody>
+                    <a:bodyPr/>
+                    <a:lstStyle/>
+                    <a:p>
+                      <a:pPr algn="ctr"/>
+                      <a:r>
+                        <a:rPr lang="fr-FR" b="1" dirty="0" smtClean="0"/>
+                        <a:t>Clients</a:t>
+                      </a:r>
+                      <a:endParaRPr lang="fr-FR" b="1" dirty="0"/>
+                    </a:p>
+                  </a:txBody>
+                  <a:tcPr/>
+                </a:tc>
+                <a:tc>
+                  <a:txBody>
+                    <a:bodyPr/>
+                    <a:lstStyle/>
+                    <a:p>
+                      <a:pPr algn="ctr"/>
+                      <a:endParaRPr lang="fr-FR" dirty="0"/>
+                    </a:p>
+                  </a:txBody>
+                  <a:tcPr>
+                    <a:solidFill>
+                      <a:schemeClr val="accent6">
+                        <a:lumMod val="40000"/>
+                        <a:lumOff val="60000"/>
+                      </a:schemeClr>
+                    </a:solidFill>
+                  </a:tcPr>
+                </a:tc>
+                <a:tc>
+                  <a:txBody>
+                    <a:bodyPr/>
+                    <a:lstStyle/>
+                    <a:p>
+                      <a:pPr algn="ctr"/>
+                      <a:endParaRPr lang="fr-FR" dirty="0"/>
+                    </a:p>
+                  </a:txBody>
+                  <a:tcPr>
+                    <a:solidFill>
+                      <a:schemeClr val="accent6">
+                        <a:lumMod val="40000"/>
+                        <a:lumOff val="60000"/>
+                      </a:schemeClr>
+                    </a:solidFill>
+                  </a:tcPr>
+                </a:tc>
+                <a:tc>
+                  <a:txBody>
+                    <a:bodyPr/>
+                    <a:lstStyle/>
+                    <a:p>
+                      <a:pPr algn="ctr"/>
+                      <a:endParaRPr lang="fr-FR" dirty="0"/>
+                    </a:p>
+                  </a:txBody>
+                  <a:tcPr>
+                    <a:solidFill>
+                      <a:schemeClr val="accent6">
+                        <a:lumMod val="40000"/>
+                        <a:lumOff val="60000"/>
+                      </a:schemeClr>
+                    </a:solidFill>
+                  </a:tcPr>
+                </a:tc>
+                <a:tc>
+                  <a:txBody>
+                    <a:bodyPr/>
+                    <a:lstStyle/>
+                    <a:p>
+                      <a:pPr algn="ctr"/>
+                      <a:endParaRPr lang="fr-FR" dirty="0"/>
+                    </a:p>
+                  </a:txBody>
+                  <a:tcPr>
+                    <a:solidFill>
+                      <a:schemeClr val="accent6">
+                        <a:lumMod val="40000"/>
+                        <a:lumOff val="60000"/>
+                      </a:schemeClr>
+                    </a:solidFill>
+                  </a:tcPr>
+                </a:tc>
+                <a:tc>
+                  <a:txBody>
+                    <a:bodyPr/>
+                    <a:lstStyle/>
+                    <a:p>
+                      <a:pPr algn="ctr"/>
+                      <a:r>
+                        <a:rPr lang="fr-FR" dirty="0" smtClean="0"/>
+                        <a:t>Y</a:t>
+                      </a:r>
+                      <a:endParaRPr lang="fr-FR" dirty="0"/>
+                    </a:p>
+                  </a:txBody>
+                  <a:tcPr>
+                    <a:solidFill>
+                      <a:schemeClr val="accent6">
+                        <a:lumMod val="40000"/>
+                        <a:lumOff val="60000"/>
+                      </a:schemeClr>
+                    </a:solidFill>
+                  </a:tcPr>
+                </a:tc>
+              </a:tr>
+              <a:tr h="370840">
+                <a:tc>
+                  <a:txBody>
+                    <a:bodyPr/>
+                    <a:lstStyle/>
+                    <a:p>
+                      <a:pPr algn="ctr"/>
+                      <a:r>
+                        <a:rPr lang="fr-FR" b="1" dirty="0" smtClean="0"/>
+                        <a:t>Lieux</a:t>
+                      </a:r>
+                      <a:endParaRPr lang="fr-FR" b="1" dirty="0"/>
+                    </a:p>
+                  </a:txBody>
+                  <a:tcPr/>
+                </a:tc>
+                <a:tc>
+                  <a:txBody>
+                    <a:bodyPr/>
+                    <a:lstStyle/>
+                    <a:p>
+                      <a:pPr algn="ctr"/>
+                      <a:r>
+                        <a:rPr lang="fr-FR" dirty="0" smtClean="0"/>
+                        <a:t>Y</a:t>
+                      </a:r>
+                      <a:endParaRPr lang="fr-FR" dirty="0"/>
+                    </a:p>
+                  </a:txBody>
+                  <a:tcPr>
+                    <a:solidFill>
+                      <a:schemeClr val="accent6">
+                        <a:lumMod val="40000"/>
+                        <a:lumOff val="60000"/>
+                      </a:schemeClr>
+                    </a:solidFill>
+                  </a:tcPr>
+                </a:tc>
+                <a:tc>
+                  <a:txBody>
+                    <a:bodyPr/>
+                    <a:lstStyle/>
+                    <a:p>
+                      <a:pPr algn="ctr"/>
+                      <a:endParaRPr lang="fr-FR" dirty="0"/>
+                    </a:p>
+                  </a:txBody>
+                  <a:tcPr>
+                    <a:solidFill>
+                      <a:schemeClr val="accent6">
+                        <a:lumMod val="40000"/>
+                        <a:lumOff val="60000"/>
+                      </a:schemeClr>
+                    </a:solidFill>
+                  </a:tcPr>
+                </a:tc>
+                <a:tc>
+                  <a:txBody>
+                    <a:bodyPr/>
+                    <a:lstStyle/>
+                    <a:p>
+                      <a:pPr algn="ctr"/>
+                      <a:endParaRPr lang="fr-FR" dirty="0"/>
+                    </a:p>
+                  </a:txBody>
+                  <a:tcPr>
+                    <a:solidFill>
+                      <a:schemeClr val="accent6">
+                        <a:lumMod val="40000"/>
+                        <a:lumOff val="60000"/>
+                      </a:schemeClr>
+                    </a:solidFill>
+                  </a:tcPr>
+                </a:tc>
+                <a:tc>
+                  <a:txBody>
+                    <a:bodyPr/>
+                    <a:lstStyle/>
+                    <a:p>
+                      <a:pPr algn="ctr"/>
+                      <a:endParaRPr lang="fr-FR" dirty="0"/>
+                    </a:p>
+                  </a:txBody>
+                  <a:tcPr>
+                    <a:solidFill>
+                      <a:schemeClr val="accent6">
+                        <a:lumMod val="40000"/>
+                        <a:lumOff val="60000"/>
+                      </a:schemeClr>
+                    </a:solidFill>
+                  </a:tcPr>
+                </a:tc>
+                <a:tc>
+                  <a:txBody>
+                    <a:bodyPr/>
+                    <a:lstStyle/>
+                    <a:p>
+                      <a:pPr algn="ctr"/>
+                      <a:endParaRPr lang="fr-FR" dirty="0"/>
+                    </a:p>
+                  </a:txBody>
+                  <a:tcPr>
+                    <a:solidFill>
+                      <a:schemeClr val="accent6">
+                        <a:lumMod val="40000"/>
+                        <a:lumOff val="60000"/>
+                      </a:schemeClr>
+                    </a:solidFill>
+                  </a:tcPr>
+                </a:tc>
+              </a:tr>
+              <a:tr h="370840">
+                <a:tc>
+                  <a:txBody>
+                    <a:bodyPr/>
+                    <a:lstStyle/>
+                    <a:p>
+                      <a:pPr algn="ctr"/>
+                      <a:r>
+                        <a:rPr lang="fr-FR" b="1" dirty="0" smtClean="0"/>
+                        <a:t>Villes</a:t>
+                      </a:r>
+                      <a:endParaRPr lang="fr-FR" b="1" dirty="0"/>
+                    </a:p>
+                  </a:txBody>
+                  <a:tcPr/>
+                </a:tc>
+                <a:tc>
+                  <a:txBody>
+                    <a:bodyPr/>
+                    <a:lstStyle/>
+                    <a:p>
+                      <a:pPr algn="ctr"/>
+                      <a:endParaRPr lang="fr-FR" dirty="0"/>
+                    </a:p>
+                  </a:txBody>
+                  <a:tcPr>
+                    <a:solidFill>
+                      <a:schemeClr val="accent6">
+                        <a:lumMod val="40000"/>
+                        <a:lumOff val="60000"/>
+                      </a:schemeClr>
+                    </a:solidFill>
+                  </a:tcPr>
+                </a:tc>
+                <a:tc>
+                  <a:txBody>
+                    <a:bodyPr/>
+                    <a:lstStyle/>
+                    <a:p>
+                      <a:pPr algn="ctr"/>
+                      <a:endParaRPr lang="fr-FR" dirty="0"/>
+                    </a:p>
+                  </a:txBody>
+                  <a:tcPr>
+                    <a:solidFill>
+                      <a:schemeClr val="accent6">
+                        <a:lumMod val="40000"/>
+                        <a:lumOff val="60000"/>
+                      </a:schemeClr>
+                    </a:solidFill>
+                  </a:tcPr>
+                </a:tc>
+                <a:tc>
+                  <a:txBody>
+                    <a:bodyPr/>
+                    <a:lstStyle/>
+                    <a:p>
+                      <a:pPr algn="ctr"/>
+                      <a:endParaRPr lang="fr-FR" dirty="0"/>
+                    </a:p>
+                  </a:txBody>
+                  <a:tcPr>
+                    <a:solidFill>
+                      <a:schemeClr val="accent6">
+                        <a:lumMod val="40000"/>
+                        <a:lumOff val="60000"/>
+                      </a:schemeClr>
+                    </a:solidFill>
+                  </a:tcPr>
+                </a:tc>
+                <a:tc>
+                  <a:txBody>
+                    <a:bodyPr/>
+                    <a:lstStyle/>
+                    <a:p>
+                      <a:pPr algn="ctr"/>
+                      <a:r>
+                        <a:rPr lang="fr-FR" dirty="0" smtClean="0"/>
+                        <a:t>Y</a:t>
+                      </a:r>
+                      <a:endParaRPr lang="fr-FR" dirty="0"/>
+                    </a:p>
+                  </a:txBody>
+                  <a:tcPr>
+                    <a:solidFill>
+                      <a:schemeClr val="accent6">
+                        <a:lumMod val="40000"/>
+                        <a:lumOff val="60000"/>
+                      </a:schemeClr>
+                    </a:solidFill>
+                  </a:tcPr>
+                </a:tc>
+                <a:tc>
+                  <a:txBody>
+                    <a:bodyPr/>
+                    <a:lstStyle/>
+                    <a:p>
+                      <a:pPr algn="ctr"/>
+                      <a:endParaRPr lang="fr-FR" dirty="0"/>
+                    </a:p>
+                  </a:txBody>
+                  <a:tcPr>
+                    <a:solidFill>
+                      <a:schemeClr val="accent6">
+                        <a:lumMod val="40000"/>
+                        <a:lumOff val="60000"/>
+                      </a:schemeClr>
+                    </a:solidFill>
+                  </a:tcPr>
+                </a:tc>
+              </a:tr>
+            </a:tbl>
+          </a:graphicData>
+        </a:graphic>
+      </p:graphicFrame>
+      <p:sp>
+        <p:nvSpPr>
+          <p:cNvPr id="11" name="ZoneTexte 10"/>
+          <p:cNvSpPr txBox="1"/>
+          <p:nvPr/>
+        </p:nvSpPr>
+        <p:spPr>
+          <a:xfrm>
+            <a:off x="323528" y="5085184"/>
+            <a:ext cx="8208912" cy="1169551"/>
+          </a:xfrm>
+          <a:prstGeom prst="rect">
+            <a:avLst/>
+          </a:prstGeom>
+        </p:spPr>
+        <p:style>
+          <a:lnRef idx="1">
+            <a:schemeClr val="accent5"/>
+          </a:lnRef>
+          <a:fillRef idx="2">
+            <a:schemeClr val="accent5"/>
+          </a:fillRef>
+          <a:effectRef idx="1">
+            <a:schemeClr val="accent5"/>
+          </a:effectRef>
+          <a:fontRef idx="minor">
+            <a:schemeClr val="dk1"/>
+          </a:fontRef>
+        </p:style>
+        <p:txBody>
+          <a:bodyPr wrap="square" rtlCol="0">
+            <a:spAutoFit/>
+          </a:bodyPr>
+          <a:lstStyle/>
+          <a:p>
+            <a:r>
+              <a:rPr lang="fr-FR" sz="1400" dirty="0" smtClean="0"/>
+              <a:t>Des exemples complets de procédures T-SQL et de chargement à partir de CSV sont disponibles dans </a:t>
+            </a:r>
+            <a:r>
+              <a:rPr lang="fr-FR" sz="1400" b="1" dirty="0"/>
+              <a:t>/</a:t>
+            </a:r>
+            <a:r>
+              <a:rPr lang="fr-FR" sz="1400" b="1" dirty="0" smtClean="0"/>
+              <a:t>DOCUMENTATION/6 – Ressources/Microsoft Exemples</a:t>
+            </a:r>
+          </a:p>
+          <a:p>
+            <a:endParaRPr lang="fr-FR" sz="1400" b="1" dirty="0" smtClean="0"/>
+          </a:p>
+          <a:p>
+            <a:r>
+              <a:rPr lang="fr-FR" sz="1400" dirty="0" smtClean="0"/>
+              <a:t>Vous pouvez </a:t>
+            </a:r>
+            <a:r>
+              <a:rPr lang="fr-FR" sz="1400" dirty="0"/>
+              <a:t>télécharger l’exemple complet </a:t>
+            </a:r>
+            <a:r>
+              <a:rPr lang="fr-FR" sz="1400" dirty="0" smtClean="0"/>
+              <a:t>« AdventureWorks2014 » sur </a:t>
+            </a:r>
+            <a:r>
+              <a:rPr lang="fr-FR" sz="1400" dirty="0"/>
+              <a:t>le site de </a:t>
+            </a:r>
+            <a:r>
+              <a:rPr lang="fr-FR" sz="1400" dirty="0" smtClean="0"/>
+              <a:t>Microsoft :</a:t>
+            </a:r>
+          </a:p>
+          <a:p>
+            <a:r>
+              <a:rPr lang="fr-FR" sz="1400" dirty="0" smtClean="0">
+                <a:hlinkClick r:id="rId4"/>
+              </a:rPr>
+              <a:t>https</a:t>
+            </a:r>
+            <a:r>
+              <a:rPr lang="fr-FR" sz="1400" dirty="0">
+                <a:hlinkClick r:id="rId4"/>
+              </a:rPr>
+              <a:t>://</a:t>
+            </a:r>
+            <a:r>
+              <a:rPr lang="fr-FR" sz="1400" dirty="0" smtClean="0">
+                <a:hlinkClick r:id="rId4"/>
+              </a:rPr>
+              <a:t>msftdbprodsamples.codeplex.com/releases/view/125550</a:t>
+            </a:r>
+            <a:endParaRPr lang="fr-FR" sz="1400" dirty="0" smtClean="0"/>
+          </a:p>
+        </p:txBody>
+      </p:sp>
+    </p:spTree>
+    <p:extLst>
+      <p:ext uri="{BB962C8B-B14F-4D97-AF65-F5344CB8AC3E}">
+        <p14:creationId xmlns:p14="http://schemas.microsoft.com/office/powerpoint/2010/main" val="3386994408"/>
+      </p:ext>
+    </p:extLst>
+  </p:cSld>
+  <p:clrMapOvr>
+    <a:masterClrMapping/>
+  </p:clrMapOvr>
+  <p:timing>
+    <p:tnLst>
+      <p:par>
+        <p:cTn id="1" dur="indefinite" restart="never" nodeType="tmRoot"/>
+      </p:par>
+    </p:tnLst>
+  </p:timing>
+</p:sld>
+</file>
+
+<file path=ppt/slides/slide9.xml><?xml version="1.0" encoding="utf-8"?>
+<p:sld xmlns:a="http://schemas.openxmlformats.org/drawingml/2006/main" xmlns:r="http://schemas.openxmlformats.org/officeDocument/2006/relationships" xmlns:p="http://schemas.openxmlformats.org/presentationml/2006/main">
+  <p:cSld>
+    <p:spTree>
+      <p:nvGrpSpPr>
+        <p:cNvPr id="1" name=""/>
+        <p:cNvGrpSpPr/>
+        <p:nvPr/>
+      </p:nvGrpSpPr>
+      <p:grpSpPr>
+        <a:xfrm>
+          <a:off x="0" y="0"/>
+          <a:ext cx="0" cy="0"/>
+          <a:chOff x="0" y="0"/>
+          <a:chExt cx="0" cy="0"/>
+        </a:xfrm>
+      </p:grpSpPr>
       <p:sp>
         <p:nvSpPr>
           <p:cNvPr id="4" name="ZoneTexte 3"/>
@@ -8852,11 +10915,7 @@
             <a:pPr algn="ctr"/>
             <a:r>
               <a:rPr lang="fr-FR" sz="4000" dirty="0" smtClean="0"/>
-              <a:t>Lundi 06/07 </a:t>
-            </a:r>
-            <a:r>
-              <a:rPr lang="fr-FR" sz="4000" dirty="0" smtClean="0"/>
-              <a:t>21H00 </a:t>
+              <a:t>Lundi 06/07 21H00 </a:t>
             </a:r>
           </a:p>
         </p:txBody>
